--- a/춘식이 발표자로.pptx
+++ b/춘식이 발표자로.pptx
@@ -8,15 +8,11 @@
     <p:sldId id="256" r:id="rId2"/>
     <p:sldId id="257" r:id="rId3"/>
     <p:sldId id="260" r:id="rId4"/>
-    <p:sldId id="261" r:id="rId5"/>
-    <p:sldId id="262" r:id="rId6"/>
-    <p:sldId id="263" r:id="rId7"/>
-    <p:sldId id="264" r:id="rId8"/>
-    <p:sldId id="265" r:id="rId9"/>
-    <p:sldId id="266" r:id="rId10"/>
-    <p:sldId id="267" r:id="rId11"/>
-    <p:sldId id="259" r:id="rId12"/>
-    <p:sldId id="258" r:id="rId13"/>
+    <p:sldId id="268" r:id="rId5"/>
+    <p:sldId id="259" r:id="rId6"/>
+    <p:sldId id="269" r:id="rId7"/>
+    <p:sldId id="270" r:id="rId8"/>
+    <p:sldId id="258" r:id="rId9"/>
   </p:sldIdLst>
   <p:sldSz cx="12192000" cy="6858000"/>
   <p:notesSz cx="9926638" cy="6797675"/>
@@ -165,7 +161,7 @@
           </a:lstStyle>
           <a:p>
             <a:r>
-              <a:rPr lang="ko-KR" altLang="en-US" smtClean="0"/>
+              <a:rPr lang="ko-KR" altLang="en-US"/>
               <a:t>마스터 제목 스타일 편집</a:t>
             </a:r>
             <a:endParaRPr lang="en-US" dirty="0"/>
@@ -230,7 +226,7 @@
           </a:lstStyle>
           <a:p>
             <a:r>
-              <a:rPr lang="ko-KR" altLang="en-US" smtClean="0"/>
+              <a:rPr lang="ko-KR" altLang="en-US"/>
               <a:t>클릭하여 마스터 부제목 스타일 편집</a:t>
             </a:r>
             <a:endParaRPr lang="en-US" dirty="0"/>
@@ -254,7 +250,7 @@
           <a:p>
             <a:fld id="{E3865E59-E335-4380-AB86-4C6C7EBFDC45}" type="datetimeFigureOut">
               <a:rPr lang="ko-KR" altLang="en-US" smtClean="0"/>
-              <a:t>2022-11-02</a:t>
+              <a:t>2022. 11. 2.</a:t>
             </a:fld>
             <a:endParaRPr lang="ko-KR" altLang="en-US"/>
           </a:p>
@@ -348,7 +344,7 @@
           <a:lstStyle/>
           <a:p>
             <a:r>
-              <a:rPr lang="ko-KR" altLang="en-US" smtClean="0"/>
+              <a:rPr lang="ko-KR" altLang="en-US"/>
               <a:t>마스터 제목 스타일 편집</a:t>
             </a:r>
             <a:endParaRPr lang="en-US" dirty="0"/>
@@ -372,35 +368,35 @@
           <a:p>
             <a:pPr lvl="0"/>
             <a:r>
-              <a:rPr lang="ko-KR" altLang="en-US" smtClean="0"/>
+              <a:rPr lang="ko-KR" altLang="en-US"/>
               <a:t>마스터 텍스트 스타일 편집</a:t>
             </a:r>
           </a:p>
           <a:p>
             <a:pPr lvl="1"/>
             <a:r>
-              <a:rPr lang="ko-KR" altLang="en-US" smtClean="0"/>
+              <a:rPr lang="ko-KR" altLang="en-US"/>
               <a:t>둘째 수준</a:t>
             </a:r>
           </a:p>
           <a:p>
             <a:pPr lvl="2"/>
             <a:r>
-              <a:rPr lang="ko-KR" altLang="en-US" smtClean="0"/>
+              <a:rPr lang="ko-KR" altLang="en-US"/>
               <a:t>셋째 수준</a:t>
             </a:r>
           </a:p>
           <a:p>
             <a:pPr lvl="3"/>
             <a:r>
-              <a:rPr lang="ko-KR" altLang="en-US" smtClean="0"/>
+              <a:rPr lang="ko-KR" altLang="en-US"/>
               <a:t>넷째 수준</a:t>
             </a:r>
           </a:p>
           <a:p>
             <a:pPr lvl="4"/>
             <a:r>
-              <a:rPr lang="ko-KR" altLang="en-US" smtClean="0"/>
+              <a:rPr lang="ko-KR" altLang="en-US"/>
               <a:t>다섯째 수준</a:t>
             </a:r>
             <a:endParaRPr lang="en-US" dirty="0"/>
@@ -424,7 +420,7 @@
           <a:p>
             <a:fld id="{E3865E59-E335-4380-AB86-4C6C7EBFDC45}" type="datetimeFigureOut">
               <a:rPr lang="ko-KR" altLang="en-US" smtClean="0"/>
-              <a:t>2022-11-02</a:t>
+              <a:t>2022. 11. 2.</a:t>
             </a:fld>
             <a:endParaRPr lang="ko-KR" altLang="en-US"/>
           </a:p>
@@ -523,7 +519,7 @@
           <a:lstStyle/>
           <a:p>
             <a:r>
-              <a:rPr lang="ko-KR" altLang="en-US" smtClean="0"/>
+              <a:rPr lang="ko-KR" altLang="en-US"/>
               <a:t>마스터 제목 스타일 편집</a:t>
             </a:r>
             <a:endParaRPr lang="en-US" dirty="0"/>
@@ -552,35 +548,35 @@
           <a:p>
             <a:pPr lvl="0"/>
             <a:r>
-              <a:rPr lang="ko-KR" altLang="en-US" smtClean="0"/>
+              <a:rPr lang="ko-KR" altLang="en-US"/>
               <a:t>마스터 텍스트 스타일 편집</a:t>
             </a:r>
           </a:p>
           <a:p>
             <a:pPr lvl="1"/>
             <a:r>
-              <a:rPr lang="ko-KR" altLang="en-US" smtClean="0"/>
+              <a:rPr lang="ko-KR" altLang="en-US"/>
               <a:t>둘째 수준</a:t>
             </a:r>
           </a:p>
           <a:p>
             <a:pPr lvl="2"/>
             <a:r>
-              <a:rPr lang="ko-KR" altLang="en-US" smtClean="0"/>
+              <a:rPr lang="ko-KR" altLang="en-US"/>
               <a:t>셋째 수준</a:t>
             </a:r>
           </a:p>
           <a:p>
             <a:pPr lvl="3"/>
             <a:r>
-              <a:rPr lang="ko-KR" altLang="en-US" smtClean="0"/>
+              <a:rPr lang="ko-KR" altLang="en-US"/>
               <a:t>넷째 수준</a:t>
             </a:r>
           </a:p>
           <a:p>
             <a:pPr lvl="4"/>
             <a:r>
-              <a:rPr lang="ko-KR" altLang="en-US" smtClean="0"/>
+              <a:rPr lang="ko-KR" altLang="en-US"/>
               <a:t>다섯째 수준</a:t>
             </a:r>
             <a:endParaRPr lang="en-US" dirty="0"/>
@@ -604,7 +600,7 @@
           <a:p>
             <a:fld id="{E3865E59-E335-4380-AB86-4C6C7EBFDC45}" type="datetimeFigureOut">
               <a:rPr lang="ko-KR" altLang="en-US" smtClean="0"/>
-              <a:t>2022-11-02</a:t>
+              <a:t>2022. 11. 2.</a:t>
             </a:fld>
             <a:endParaRPr lang="ko-KR" altLang="en-US"/>
           </a:p>
@@ -698,7 +694,7 @@
           <a:lstStyle/>
           <a:p>
             <a:r>
-              <a:rPr lang="ko-KR" altLang="en-US" smtClean="0"/>
+              <a:rPr lang="ko-KR" altLang="en-US"/>
               <a:t>마스터 제목 스타일 편집</a:t>
             </a:r>
             <a:endParaRPr lang="en-US" dirty="0"/>
@@ -722,35 +718,35 @@
           <a:p>
             <a:pPr lvl="0"/>
             <a:r>
-              <a:rPr lang="ko-KR" altLang="en-US" smtClean="0"/>
+              <a:rPr lang="ko-KR" altLang="en-US"/>
               <a:t>마스터 텍스트 스타일 편집</a:t>
             </a:r>
           </a:p>
           <a:p>
             <a:pPr lvl="1"/>
             <a:r>
-              <a:rPr lang="ko-KR" altLang="en-US" smtClean="0"/>
+              <a:rPr lang="ko-KR" altLang="en-US"/>
               <a:t>둘째 수준</a:t>
             </a:r>
           </a:p>
           <a:p>
             <a:pPr lvl="2"/>
             <a:r>
-              <a:rPr lang="ko-KR" altLang="en-US" smtClean="0"/>
+              <a:rPr lang="ko-KR" altLang="en-US"/>
               <a:t>셋째 수준</a:t>
             </a:r>
           </a:p>
           <a:p>
             <a:pPr lvl="3"/>
             <a:r>
-              <a:rPr lang="ko-KR" altLang="en-US" smtClean="0"/>
+              <a:rPr lang="ko-KR" altLang="en-US"/>
               <a:t>넷째 수준</a:t>
             </a:r>
           </a:p>
           <a:p>
             <a:pPr lvl="4"/>
             <a:r>
-              <a:rPr lang="ko-KR" altLang="en-US" smtClean="0"/>
+              <a:rPr lang="ko-KR" altLang="en-US"/>
               <a:t>다섯째 수준</a:t>
             </a:r>
             <a:endParaRPr lang="en-US" dirty="0"/>
@@ -774,7 +770,7 @@
           <a:p>
             <a:fld id="{E3865E59-E335-4380-AB86-4C6C7EBFDC45}" type="datetimeFigureOut">
               <a:rPr lang="ko-KR" altLang="en-US" smtClean="0"/>
-              <a:t>2022-11-02</a:t>
+              <a:t>2022. 11. 2.</a:t>
             </a:fld>
             <a:endParaRPr lang="ko-KR" altLang="en-US"/>
           </a:p>
@@ -877,7 +873,7 @@
           </a:lstStyle>
           <a:p>
             <a:r>
-              <a:rPr lang="ko-KR" altLang="en-US" smtClean="0"/>
+              <a:rPr lang="ko-KR" altLang="en-US"/>
               <a:t>마스터 제목 스타일 편집</a:t>
             </a:r>
             <a:endParaRPr lang="en-US" dirty="0"/>
@@ -997,7 +993,7 @@
           <a:p>
             <a:pPr lvl="0"/>
             <a:r>
-              <a:rPr lang="ko-KR" altLang="en-US" smtClean="0"/>
+              <a:rPr lang="ko-KR" altLang="en-US"/>
               <a:t>마스터 텍스트 스타일 편집</a:t>
             </a:r>
           </a:p>
@@ -1020,7 +1016,7 @@
           <a:p>
             <a:fld id="{E3865E59-E335-4380-AB86-4C6C7EBFDC45}" type="datetimeFigureOut">
               <a:rPr lang="ko-KR" altLang="en-US" smtClean="0"/>
-              <a:t>2022-11-02</a:t>
+              <a:t>2022. 11. 2.</a:t>
             </a:fld>
             <a:endParaRPr lang="ko-KR" altLang="en-US"/>
           </a:p>
@@ -1114,7 +1110,7 @@
           <a:lstStyle/>
           <a:p>
             <a:r>
-              <a:rPr lang="ko-KR" altLang="en-US" smtClean="0"/>
+              <a:rPr lang="ko-KR" altLang="en-US"/>
               <a:t>마스터 제목 스타일 편집</a:t>
             </a:r>
             <a:endParaRPr lang="en-US" dirty="0"/>
@@ -1143,35 +1139,35 @@
           <a:p>
             <a:pPr lvl="0"/>
             <a:r>
-              <a:rPr lang="ko-KR" altLang="en-US" smtClean="0"/>
+              <a:rPr lang="ko-KR" altLang="en-US"/>
               <a:t>마스터 텍스트 스타일 편집</a:t>
             </a:r>
           </a:p>
           <a:p>
             <a:pPr lvl="1"/>
             <a:r>
-              <a:rPr lang="ko-KR" altLang="en-US" smtClean="0"/>
+              <a:rPr lang="ko-KR" altLang="en-US"/>
               <a:t>둘째 수준</a:t>
             </a:r>
           </a:p>
           <a:p>
             <a:pPr lvl="2"/>
             <a:r>
-              <a:rPr lang="ko-KR" altLang="en-US" smtClean="0"/>
+              <a:rPr lang="ko-KR" altLang="en-US"/>
               <a:t>셋째 수준</a:t>
             </a:r>
           </a:p>
           <a:p>
             <a:pPr lvl="3"/>
             <a:r>
-              <a:rPr lang="ko-KR" altLang="en-US" smtClean="0"/>
+              <a:rPr lang="ko-KR" altLang="en-US"/>
               <a:t>넷째 수준</a:t>
             </a:r>
           </a:p>
           <a:p>
             <a:pPr lvl="4"/>
             <a:r>
-              <a:rPr lang="ko-KR" altLang="en-US" smtClean="0"/>
+              <a:rPr lang="ko-KR" altLang="en-US"/>
               <a:t>다섯째 수준</a:t>
             </a:r>
             <a:endParaRPr lang="en-US" dirty="0"/>
@@ -1200,35 +1196,35 @@
           <a:p>
             <a:pPr lvl="0"/>
             <a:r>
-              <a:rPr lang="ko-KR" altLang="en-US" smtClean="0"/>
+              <a:rPr lang="ko-KR" altLang="en-US"/>
               <a:t>마스터 텍스트 스타일 편집</a:t>
             </a:r>
           </a:p>
           <a:p>
             <a:pPr lvl="1"/>
             <a:r>
-              <a:rPr lang="ko-KR" altLang="en-US" smtClean="0"/>
+              <a:rPr lang="ko-KR" altLang="en-US"/>
               <a:t>둘째 수준</a:t>
             </a:r>
           </a:p>
           <a:p>
             <a:pPr lvl="2"/>
             <a:r>
-              <a:rPr lang="ko-KR" altLang="en-US" smtClean="0"/>
+              <a:rPr lang="ko-KR" altLang="en-US"/>
               <a:t>셋째 수준</a:t>
             </a:r>
           </a:p>
           <a:p>
             <a:pPr lvl="3"/>
             <a:r>
-              <a:rPr lang="ko-KR" altLang="en-US" smtClean="0"/>
+              <a:rPr lang="ko-KR" altLang="en-US"/>
               <a:t>넷째 수준</a:t>
             </a:r>
           </a:p>
           <a:p>
             <a:pPr lvl="4"/>
             <a:r>
-              <a:rPr lang="ko-KR" altLang="en-US" smtClean="0"/>
+              <a:rPr lang="ko-KR" altLang="en-US"/>
               <a:t>다섯째 수준</a:t>
             </a:r>
             <a:endParaRPr lang="en-US" dirty="0"/>
@@ -1252,7 +1248,7 @@
           <a:p>
             <a:fld id="{E3865E59-E335-4380-AB86-4C6C7EBFDC45}" type="datetimeFigureOut">
               <a:rPr lang="ko-KR" altLang="en-US" smtClean="0"/>
-              <a:t>2022-11-02</a:t>
+              <a:t>2022. 11. 2.</a:t>
             </a:fld>
             <a:endParaRPr lang="ko-KR" altLang="en-US"/>
           </a:p>
@@ -1351,7 +1347,7 @@
           <a:lstStyle/>
           <a:p>
             <a:r>
-              <a:rPr lang="ko-KR" altLang="en-US" smtClean="0"/>
+              <a:rPr lang="ko-KR" altLang="en-US"/>
               <a:t>마스터 제목 스타일 편집</a:t>
             </a:r>
             <a:endParaRPr lang="en-US" dirty="0"/>
@@ -1417,7 +1413,7 @@
           <a:p>
             <a:pPr lvl="0"/>
             <a:r>
-              <a:rPr lang="ko-KR" altLang="en-US" smtClean="0"/>
+              <a:rPr lang="ko-KR" altLang="en-US"/>
               <a:t>마스터 텍스트 스타일 편집</a:t>
             </a:r>
           </a:p>
@@ -1445,35 +1441,35 @@
           <a:p>
             <a:pPr lvl="0"/>
             <a:r>
-              <a:rPr lang="ko-KR" altLang="en-US" smtClean="0"/>
+              <a:rPr lang="ko-KR" altLang="en-US"/>
               <a:t>마스터 텍스트 스타일 편집</a:t>
             </a:r>
           </a:p>
           <a:p>
             <a:pPr lvl="1"/>
             <a:r>
-              <a:rPr lang="ko-KR" altLang="en-US" smtClean="0"/>
+              <a:rPr lang="ko-KR" altLang="en-US"/>
               <a:t>둘째 수준</a:t>
             </a:r>
           </a:p>
           <a:p>
             <a:pPr lvl="2"/>
             <a:r>
-              <a:rPr lang="ko-KR" altLang="en-US" smtClean="0"/>
+              <a:rPr lang="ko-KR" altLang="en-US"/>
               <a:t>셋째 수준</a:t>
             </a:r>
           </a:p>
           <a:p>
             <a:pPr lvl="3"/>
             <a:r>
-              <a:rPr lang="ko-KR" altLang="en-US" smtClean="0"/>
+              <a:rPr lang="ko-KR" altLang="en-US"/>
               <a:t>넷째 수준</a:t>
             </a:r>
           </a:p>
           <a:p>
             <a:pPr lvl="4"/>
             <a:r>
-              <a:rPr lang="ko-KR" altLang="en-US" smtClean="0"/>
+              <a:rPr lang="ko-KR" altLang="en-US"/>
               <a:t>다섯째 수준</a:t>
             </a:r>
             <a:endParaRPr lang="en-US" dirty="0"/>
@@ -1539,7 +1535,7 @@
           <a:p>
             <a:pPr lvl="0"/>
             <a:r>
-              <a:rPr lang="ko-KR" altLang="en-US" smtClean="0"/>
+              <a:rPr lang="ko-KR" altLang="en-US"/>
               <a:t>마스터 텍스트 스타일 편집</a:t>
             </a:r>
           </a:p>
@@ -1567,35 +1563,35 @@
           <a:p>
             <a:pPr lvl="0"/>
             <a:r>
-              <a:rPr lang="ko-KR" altLang="en-US" smtClean="0"/>
+              <a:rPr lang="ko-KR" altLang="en-US"/>
               <a:t>마스터 텍스트 스타일 편집</a:t>
             </a:r>
           </a:p>
           <a:p>
             <a:pPr lvl="1"/>
             <a:r>
-              <a:rPr lang="ko-KR" altLang="en-US" smtClean="0"/>
+              <a:rPr lang="ko-KR" altLang="en-US"/>
               <a:t>둘째 수준</a:t>
             </a:r>
           </a:p>
           <a:p>
             <a:pPr lvl="2"/>
             <a:r>
-              <a:rPr lang="ko-KR" altLang="en-US" smtClean="0"/>
+              <a:rPr lang="ko-KR" altLang="en-US"/>
               <a:t>셋째 수준</a:t>
             </a:r>
           </a:p>
           <a:p>
             <a:pPr lvl="3"/>
             <a:r>
-              <a:rPr lang="ko-KR" altLang="en-US" smtClean="0"/>
+              <a:rPr lang="ko-KR" altLang="en-US"/>
               <a:t>넷째 수준</a:t>
             </a:r>
           </a:p>
           <a:p>
             <a:pPr lvl="4"/>
             <a:r>
-              <a:rPr lang="ko-KR" altLang="en-US" smtClean="0"/>
+              <a:rPr lang="ko-KR" altLang="en-US"/>
               <a:t>다섯째 수준</a:t>
             </a:r>
             <a:endParaRPr lang="en-US" dirty="0"/>
@@ -1619,7 +1615,7 @@
           <a:p>
             <a:fld id="{E3865E59-E335-4380-AB86-4C6C7EBFDC45}" type="datetimeFigureOut">
               <a:rPr lang="ko-KR" altLang="en-US" smtClean="0"/>
-              <a:t>2022-11-02</a:t>
+              <a:t>2022. 11. 2.</a:t>
             </a:fld>
             <a:endParaRPr lang="ko-KR" altLang="en-US"/>
           </a:p>
@@ -1713,7 +1709,7 @@
           <a:lstStyle/>
           <a:p>
             <a:r>
-              <a:rPr lang="ko-KR" altLang="en-US" smtClean="0"/>
+              <a:rPr lang="ko-KR" altLang="en-US"/>
               <a:t>마스터 제목 스타일 편집</a:t>
             </a:r>
             <a:endParaRPr lang="en-US" dirty="0"/>
@@ -1737,7 +1733,7 @@
           <a:p>
             <a:fld id="{E3865E59-E335-4380-AB86-4C6C7EBFDC45}" type="datetimeFigureOut">
               <a:rPr lang="ko-KR" altLang="en-US" smtClean="0"/>
-              <a:t>2022-11-02</a:t>
+              <a:t>2022. 11. 2.</a:t>
             </a:fld>
             <a:endParaRPr lang="ko-KR" altLang="en-US"/>
           </a:p>
@@ -1832,7 +1828,7 @@
           <a:p>
             <a:fld id="{E3865E59-E335-4380-AB86-4C6C7EBFDC45}" type="datetimeFigureOut">
               <a:rPr lang="ko-KR" altLang="en-US" smtClean="0"/>
-              <a:t>2022-11-02</a:t>
+              <a:t>2022. 11. 2.</a:t>
             </a:fld>
             <a:endParaRPr lang="ko-KR" altLang="en-US"/>
           </a:p>
@@ -1935,7 +1931,7 @@
           </a:lstStyle>
           <a:p>
             <a:r>
-              <a:rPr lang="ko-KR" altLang="en-US" smtClean="0"/>
+              <a:rPr lang="ko-KR" altLang="en-US"/>
               <a:t>마스터 제목 스타일 편집</a:t>
             </a:r>
             <a:endParaRPr lang="en-US" dirty="0"/>
@@ -1992,35 +1988,35 @@
           <a:p>
             <a:pPr lvl="0"/>
             <a:r>
-              <a:rPr lang="ko-KR" altLang="en-US" smtClean="0"/>
+              <a:rPr lang="ko-KR" altLang="en-US"/>
               <a:t>마스터 텍스트 스타일 편집</a:t>
             </a:r>
           </a:p>
           <a:p>
             <a:pPr lvl="1"/>
             <a:r>
-              <a:rPr lang="ko-KR" altLang="en-US" smtClean="0"/>
+              <a:rPr lang="ko-KR" altLang="en-US"/>
               <a:t>둘째 수준</a:t>
             </a:r>
           </a:p>
           <a:p>
             <a:pPr lvl="2"/>
             <a:r>
-              <a:rPr lang="ko-KR" altLang="en-US" smtClean="0"/>
+              <a:rPr lang="ko-KR" altLang="en-US"/>
               <a:t>셋째 수준</a:t>
             </a:r>
           </a:p>
           <a:p>
             <a:pPr lvl="3"/>
             <a:r>
-              <a:rPr lang="ko-KR" altLang="en-US" smtClean="0"/>
+              <a:rPr lang="ko-KR" altLang="en-US"/>
               <a:t>넷째 수준</a:t>
             </a:r>
           </a:p>
           <a:p>
             <a:pPr lvl="4"/>
             <a:r>
-              <a:rPr lang="ko-KR" altLang="en-US" smtClean="0"/>
+              <a:rPr lang="ko-KR" altLang="en-US"/>
               <a:t>다섯째 수준</a:t>
             </a:r>
             <a:endParaRPr lang="en-US" dirty="0"/>
@@ -2086,7 +2082,7 @@
           <a:p>
             <a:pPr lvl="0"/>
             <a:r>
-              <a:rPr lang="ko-KR" altLang="en-US" smtClean="0"/>
+              <a:rPr lang="ko-KR" altLang="en-US"/>
               <a:t>마스터 텍스트 스타일 편집</a:t>
             </a:r>
           </a:p>
@@ -2109,7 +2105,7 @@
           <a:p>
             <a:fld id="{E3865E59-E335-4380-AB86-4C6C7EBFDC45}" type="datetimeFigureOut">
               <a:rPr lang="ko-KR" altLang="en-US" smtClean="0"/>
-              <a:t>2022-11-02</a:t>
+              <a:t>2022. 11. 2.</a:t>
             </a:fld>
             <a:endParaRPr lang="ko-KR" altLang="en-US"/>
           </a:p>
@@ -2212,7 +2208,7 @@
           </a:lstStyle>
           <a:p>
             <a:r>
-              <a:rPr lang="ko-KR" altLang="en-US" smtClean="0"/>
+              <a:rPr lang="ko-KR" altLang="en-US"/>
               <a:t>마스터 제목 스타일 편집</a:t>
             </a:r>
             <a:endParaRPr lang="en-US" dirty="0"/>
@@ -2277,7 +2273,7 @@
           </a:lstStyle>
           <a:p>
             <a:r>
-              <a:rPr lang="ko-KR" altLang="en-US" smtClean="0"/>
+              <a:rPr lang="ko-KR" altLang="en-US"/>
               <a:t>그림을 추가하려면 아이콘을 클릭하십시오</a:t>
             </a:r>
             <a:endParaRPr lang="en-US" dirty="0"/>
@@ -2343,7 +2339,7 @@
           <a:p>
             <a:pPr lvl="0"/>
             <a:r>
-              <a:rPr lang="ko-KR" altLang="en-US" smtClean="0"/>
+              <a:rPr lang="ko-KR" altLang="en-US"/>
               <a:t>마스터 텍스트 스타일 편집</a:t>
             </a:r>
           </a:p>
@@ -2366,7 +2362,7 @@
           <a:p>
             <a:fld id="{E3865E59-E335-4380-AB86-4C6C7EBFDC45}" type="datetimeFigureOut">
               <a:rPr lang="ko-KR" altLang="en-US" smtClean="0"/>
-              <a:t>2022-11-02</a:t>
+              <a:t>2022. 11. 2.</a:t>
             </a:fld>
             <a:endParaRPr lang="ko-KR" altLang="en-US"/>
           </a:p>
@@ -2475,7 +2471,7 @@
           <a:lstStyle/>
           <a:p>
             <a:r>
-              <a:rPr lang="ko-KR" altLang="en-US" smtClean="0"/>
+              <a:rPr lang="ko-KR" altLang="en-US"/>
               <a:t>마스터 제목 스타일 편집</a:t>
             </a:r>
             <a:endParaRPr lang="en-US" dirty="0"/>
@@ -2509,35 +2505,35 @@
           <a:p>
             <a:pPr lvl="0"/>
             <a:r>
-              <a:rPr lang="ko-KR" altLang="en-US" smtClean="0"/>
+              <a:rPr lang="ko-KR" altLang="en-US"/>
               <a:t>마스터 텍스트 스타일 편집</a:t>
             </a:r>
           </a:p>
           <a:p>
             <a:pPr lvl="1"/>
             <a:r>
-              <a:rPr lang="ko-KR" altLang="en-US" smtClean="0"/>
+              <a:rPr lang="ko-KR" altLang="en-US"/>
               <a:t>둘째 수준</a:t>
             </a:r>
           </a:p>
           <a:p>
             <a:pPr lvl="2"/>
             <a:r>
-              <a:rPr lang="ko-KR" altLang="en-US" smtClean="0"/>
+              <a:rPr lang="ko-KR" altLang="en-US"/>
               <a:t>셋째 수준</a:t>
             </a:r>
           </a:p>
           <a:p>
             <a:pPr lvl="3"/>
             <a:r>
-              <a:rPr lang="ko-KR" altLang="en-US" smtClean="0"/>
+              <a:rPr lang="ko-KR" altLang="en-US"/>
               <a:t>넷째 수준</a:t>
             </a:r>
           </a:p>
           <a:p>
             <a:pPr lvl="4"/>
             <a:r>
-              <a:rPr lang="ko-KR" altLang="en-US" smtClean="0"/>
+              <a:rPr lang="ko-KR" altLang="en-US"/>
               <a:t>다섯째 수준</a:t>
             </a:r>
             <a:endParaRPr lang="en-US" dirty="0"/>
@@ -2579,7 +2575,7 @@
           <a:p>
             <a:fld id="{E3865E59-E335-4380-AB86-4C6C7EBFDC45}" type="datetimeFigureOut">
               <a:rPr lang="ko-KR" altLang="en-US" smtClean="0"/>
-              <a:t>2022-11-02</a:t>
+              <a:t>2022. 11. 2.</a:t>
             </a:fld>
             <a:endParaRPr lang="ko-KR" altLang="en-US"/>
           </a:p>
@@ -3057,7 +3053,7 @@
           <a:p>
             <a:pPr algn="l"/>
             <a:r>
-              <a:rPr lang="ko-KR" altLang="en-US" sz="2400" dirty="0" smtClean="0">
+              <a:rPr lang="ko-KR" altLang="en-US" sz="2400" dirty="0">
                 <a:solidFill>
                   <a:schemeClr val="bg1"/>
                 </a:solidFill>
@@ -3074,30 +3070,20 @@
                 <a:latin typeface="+mn-ea"/>
                 <a:ea typeface="+mn-ea"/>
               </a:rPr>
-              <a:t> </a:t>
-            </a:r>
-            <a:r>
-              <a:rPr lang="en-US" altLang="ko-KR" sz="2400" dirty="0" smtClean="0">
+              <a:t> -</a:t>
+            </a:r>
+            <a:r>
+              <a:rPr lang="ko-KR" altLang="en-US" sz="2400" dirty="0">
                 <a:solidFill>
                   <a:schemeClr val="bg1"/>
                 </a:solidFill>
                 <a:latin typeface="+mn-ea"/>
                 <a:ea typeface="+mn-ea"/>
               </a:rPr>
-              <a:t>-</a:t>
-            </a:r>
-            <a:r>
-              <a:rPr lang="ko-KR" altLang="en-US" sz="2400" dirty="0" smtClean="0">
-                <a:solidFill>
-                  <a:schemeClr val="bg1"/>
-                </a:solidFill>
-                <a:latin typeface="+mn-ea"/>
-                <a:ea typeface="+mn-ea"/>
-              </a:rPr>
               <a:t> </a:t>
             </a:r>
             <a:r>
-              <a:rPr lang="ko-KR" altLang="en-US" sz="2400" dirty="0" err="1" smtClean="0">
+              <a:rPr lang="ko-KR" altLang="en-US" sz="2400" dirty="0" err="1">
                 <a:solidFill>
                   <a:schemeClr val="bg1"/>
                 </a:solidFill>
@@ -3126,17 +3112,10 @@
   <p:clrMapOvr>
     <a:masterClrMapping/>
   </p:clrMapOvr>
-  <p:timing>
-    <p:tnLst>
-      <p:par>
-        <p:cTn id="1" dur="indefinite" restart="never" nodeType="tmRoot"/>
-      </p:par>
-    </p:tnLst>
-  </p:timing>
 </p:sld>
 </file>
 
-<file path=ppt/slides/slide10.xml><?xml version="1.0" encoding="utf-8"?>
+<file path=ppt/slides/slide2.xml><?xml version="1.0" encoding="utf-8"?>
 <p:sld xmlns:a="http://schemas.openxmlformats.org/drawingml/2006/main" xmlns:r="http://schemas.openxmlformats.org/officeDocument/2006/relationships" xmlns:p="http://schemas.openxmlformats.org/presentationml/2006/main">
   <p:cSld>
     <p:spTree>
@@ -3209,16 +3188,10 @@
               <a:defRPr/>
             </a:pPr>
             <a:r>
-              <a:rPr lang="en-US" altLang="ko-KR" sz="4000" spc="-185" dirty="0" smtClean="0">
-                <a:latin typeface="+mj-ea"/>
-              </a:rPr>
-              <a:t>02</a:t>
-            </a:r>
-            <a:r>
               <a:rPr lang="en-US" altLang="ko-KR" sz="4000" spc="-185" dirty="0">
                 <a:latin typeface="+mj-ea"/>
               </a:rPr>
-              <a:t>. Mission 2</a:t>
+              <a:t>01. Mission 1</a:t>
             </a:r>
             <a:endParaRPr lang="ko-KR" altLang="en-US" sz="4000" spc="-185" dirty="0">
               <a:latin typeface="+mj-ea"/>
@@ -3236,7 +3209,7 @@
         </p:nvSpPr>
         <p:spPr>
           <a:xfrm>
-            <a:off x="363552" y="1669214"/>
+            <a:off x="363552" y="1510190"/>
             <a:ext cx="11393019" cy="4379894"/>
           </a:xfrm>
           <a:prstGeom prst="rect">
@@ -3267,79 +3240,341 @@
             </a:lvl1pPr>
           </a:lstStyle>
           <a:p>
-            <a:pPr>
+            <a:pPr algn="just">
+              <a:lnSpc>
+                <a:spcPct val="120000"/>
+              </a:lnSpc>
               <a:defRPr/>
             </a:pPr>
             <a:r>
-              <a:rPr lang="ko-KR" altLang="en-US" sz="2100" spc="-185" dirty="0">
-                <a:latin typeface="+mn-ea"/>
-                <a:ea typeface="+mn-ea"/>
-              </a:rPr>
-              <a:t>내용 폰트입니다</a:t>
-            </a:r>
-            <a:r>
-              <a:rPr lang="en-US" altLang="ko-KR" sz="2100" spc="-185" dirty="0">
-                <a:latin typeface="+mn-ea"/>
-                <a:ea typeface="+mn-ea"/>
-              </a:rPr>
-              <a:t>. (</a:t>
-            </a:r>
-            <a:r>
-              <a:rPr lang="ko-KR" altLang="en-US" sz="2100" spc="-185" dirty="0" err="1">
-                <a:latin typeface="+mn-ea"/>
-                <a:ea typeface="+mn-ea"/>
-              </a:rPr>
-              <a:t>맑은고딕</a:t>
-            </a:r>
-            <a:r>
-              <a:rPr lang="ko-KR" altLang="en-US" sz="2100" spc="-185" dirty="0">
-                <a:latin typeface="+mn-ea"/>
-                <a:ea typeface="+mn-ea"/>
-              </a:rPr>
-              <a:t> </a:t>
-            </a:r>
-            <a:r>
-              <a:rPr lang="en-US" altLang="ko-KR" sz="2100" spc="-185" dirty="0" smtClean="0">
-                <a:latin typeface="+mn-ea"/>
-                <a:ea typeface="+mn-ea"/>
-              </a:rPr>
-              <a:t>21pt</a:t>
-            </a:r>
-            <a:r>
-              <a:rPr lang="en-US" altLang="ko-KR" sz="2100" spc="-185" dirty="0">
-                <a:latin typeface="+mn-ea"/>
-                <a:ea typeface="+mn-ea"/>
-              </a:rPr>
-              <a:t>)</a:t>
-            </a:r>
-            <a:endParaRPr lang="ko-KR" altLang="en-US" sz="2100" spc="-185" dirty="0">
+              <a:rPr lang="en-US" altLang="ko-KR" sz="2100" spc="-150" dirty="0">
+                <a:latin typeface="+mn-ea"/>
+                <a:ea typeface="+mn-ea"/>
+              </a:rPr>
+              <a:t>1-1. Training </a:t>
+            </a:r>
+            <a:r>
+              <a:rPr lang="ko-KR" altLang="en-US" sz="2100" spc="-150" dirty="0">
+                <a:latin typeface="+mn-ea"/>
+                <a:ea typeface="+mn-ea"/>
+              </a:rPr>
+              <a:t>데이터 셋의 데이터를 살펴보고 라벨 종류는 무엇이 있고</a:t>
+            </a:r>
+            <a:r>
+              <a:rPr lang="en-US" altLang="ko-KR" sz="2100" spc="-150" dirty="0">
+                <a:latin typeface="+mn-ea"/>
+                <a:ea typeface="+mn-ea"/>
+              </a:rPr>
+              <a:t>, </a:t>
+            </a:r>
+            <a:r>
+              <a:rPr lang="ko-KR" altLang="en-US" sz="2100" spc="-150" dirty="0">
+                <a:latin typeface="+mn-ea"/>
+                <a:ea typeface="+mn-ea"/>
+              </a:rPr>
+              <a:t>각 라벨의 개수를 구하시오</a:t>
+            </a:r>
+            <a:r>
+              <a:rPr lang="en-US" altLang="ko-KR" sz="2100" spc="-150" dirty="0">
+                <a:latin typeface="+mn-ea"/>
+                <a:ea typeface="+mn-ea"/>
+              </a:rPr>
+              <a:t>.</a:t>
+            </a:r>
+          </a:p>
+          <a:p>
+            <a:pPr algn="just">
+              <a:lnSpc>
+                <a:spcPct val="120000"/>
+              </a:lnSpc>
+              <a:defRPr/>
+            </a:pPr>
+            <a:endParaRPr lang="en-US" altLang="ko-KR" sz="2100" dirty="0">
               <a:latin typeface="+mn-ea"/>
               <a:ea typeface="+mn-ea"/>
             </a:endParaRPr>
           </a:p>
+          <a:p>
+            <a:pPr algn="just">
+              <a:lnSpc>
+                <a:spcPct val="120000"/>
+              </a:lnSpc>
+              <a:defRPr/>
+            </a:pPr>
+            <a:r>
+              <a:rPr lang="en-US" altLang="ko-KR" sz="2100" dirty="0">
+                <a:latin typeface="+mn-ea"/>
+                <a:ea typeface="+mn-ea"/>
+              </a:rPr>
+              <a:t>Answer:</a:t>
+            </a:r>
+          </a:p>
+          <a:p>
+            <a:pPr algn="just">
+              <a:lnSpc>
+                <a:spcPct val="120000"/>
+              </a:lnSpc>
+              <a:defRPr/>
+            </a:pPr>
+            <a:r>
+              <a:rPr lang="ko-KR" altLang="en-US" sz="2100" dirty="0">
+                <a:latin typeface="+mn-ea"/>
+                <a:ea typeface="+mn-ea"/>
+              </a:rPr>
+              <a:t>라벨 종류는 </a:t>
+            </a:r>
+            <a:r>
+              <a:rPr lang="en-US" altLang="ko-KR" sz="2100" dirty="0" err="1">
+                <a:latin typeface="+mn-ea"/>
+                <a:ea typeface="+mn-ea"/>
+              </a:rPr>
+              <a:t>cap_and_hat</a:t>
+            </a:r>
+            <a:r>
+              <a:rPr lang="en-US" altLang="ko-KR" sz="2100" dirty="0">
+                <a:latin typeface="+mn-ea"/>
+                <a:ea typeface="+mn-ea"/>
+              </a:rPr>
+              <a:t>, outerwear, tops, bottoms, shoes</a:t>
+            </a:r>
+            <a:r>
+              <a:rPr lang="ko-KR" altLang="en-US" sz="2100" dirty="0">
+                <a:latin typeface="+mn-ea"/>
+                <a:ea typeface="+mn-ea"/>
+              </a:rPr>
+              <a:t>로 총 </a:t>
+            </a:r>
+            <a:r>
+              <a:rPr lang="en-US" altLang="ko-KR" sz="2100" dirty="0">
+                <a:latin typeface="+mn-ea"/>
+                <a:ea typeface="+mn-ea"/>
+              </a:rPr>
+              <a:t>5</a:t>
+            </a:r>
+            <a:r>
+              <a:rPr lang="ko-KR" altLang="en-US" sz="2100" dirty="0">
+                <a:latin typeface="+mn-ea"/>
+                <a:ea typeface="+mn-ea"/>
+              </a:rPr>
+              <a:t>개이고</a:t>
+            </a:r>
+            <a:r>
+              <a:rPr lang="en-US" altLang="ko-KR" sz="2100" dirty="0">
+                <a:latin typeface="+mn-ea"/>
+                <a:ea typeface="+mn-ea"/>
+              </a:rPr>
+              <a:t>, </a:t>
+            </a:r>
+          </a:p>
+          <a:p>
+            <a:pPr algn="just">
+              <a:lnSpc>
+                <a:spcPct val="120000"/>
+              </a:lnSpc>
+              <a:defRPr/>
+            </a:pPr>
+            <a:r>
+              <a:rPr lang="ko-KR" altLang="en-US" sz="2100" dirty="0">
+                <a:latin typeface="+mn-ea"/>
+                <a:ea typeface="+mn-ea"/>
+              </a:rPr>
+              <a:t>라벨의 개수는 다음과 같다</a:t>
+            </a:r>
+            <a:r>
+              <a:rPr lang="en-US" altLang="ko-KR" sz="2100" dirty="0">
+                <a:latin typeface="+mn-ea"/>
+                <a:ea typeface="+mn-ea"/>
+              </a:rPr>
+              <a:t>.</a:t>
+            </a:r>
+          </a:p>
+          <a:p>
+            <a:pPr algn="just">
+              <a:lnSpc>
+                <a:spcPct val="120000"/>
+              </a:lnSpc>
+              <a:defRPr/>
+            </a:pPr>
+            <a:endParaRPr lang="en-US" altLang="ko-KR" sz="2100" dirty="0">
+              <a:latin typeface="+mn-ea"/>
+              <a:ea typeface="+mn-ea"/>
+            </a:endParaRPr>
+          </a:p>
+          <a:p>
+            <a:pPr algn="just">
+              <a:lnSpc>
+                <a:spcPct val="120000"/>
+              </a:lnSpc>
+              <a:defRPr/>
+            </a:pPr>
+            <a:r>
+              <a:rPr lang="en-US" altLang="ko-KR" sz="2100" dirty="0" err="1">
+                <a:latin typeface="+mn-ea"/>
+                <a:ea typeface="+mn-ea"/>
+              </a:rPr>
+              <a:t>cap_and_hat</a:t>
+            </a:r>
+            <a:r>
+              <a:rPr lang="en-US" altLang="ko-KR" sz="2100" dirty="0">
+                <a:latin typeface="+mn-ea"/>
+                <a:ea typeface="+mn-ea"/>
+              </a:rPr>
+              <a:t>:</a:t>
+            </a:r>
+            <a:r>
+              <a:rPr lang="ko-KR" altLang="en-US" sz="2100" dirty="0">
+                <a:latin typeface="+mn-ea"/>
+                <a:ea typeface="+mn-ea"/>
+              </a:rPr>
+              <a:t> </a:t>
+            </a:r>
+            <a:r>
+              <a:rPr lang="en-US" altLang="ko-KR" sz="2100" dirty="0">
+                <a:latin typeface="+mn-ea"/>
+                <a:ea typeface="+mn-ea"/>
+              </a:rPr>
+              <a:t>196</a:t>
+            </a:r>
+            <a:r>
+              <a:rPr lang="ko-KR" altLang="en-US" sz="2100" dirty="0">
+                <a:latin typeface="+mn-ea"/>
+                <a:ea typeface="+mn-ea"/>
+              </a:rPr>
+              <a:t>개</a:t>
+            </a:r>
+            <a:r>
+              <a:rPr lang="en-US" altLang="ko-KR" sz="2100" dirty="0">
+                <a:latin typeface="+mn-ea"/>
+                <a:ea typeface="+mn-ea"/>
+              </a:rPr>
+              <a:t>, </a:t>
+            </a:r>
+          </a:p>
+          <a:p>
+            <a:pPr algn="just">
+              <a:lnSpc>
+                <a:spcPct val="120000"/>
+              </a:lnSpc>
+              <a:defRPr/>
+            </a:pPr>
+            <a:r>
+              <a:rPr lang="en-US" altLang="ko-KR" sz="2100" dirty="0">
+                <a:latin typeface="+mn-ea"/>
+                <a:ea typeface="+mn-ea"/>
+              </a:rPr>
+              <a:t>outerwear: 4606</a:t>
+            </a:r>
+            <a:r>
+              <a:rPr lang="ko-KR" altLang="en-US" sz="2100" dirty="0">
+                <a:latin typeface="+mn-ea"/>
+                <a:ea typeface="+mn-ea"/>
+              </a:rPr>
+              <a:t>개</a:t>
+            </a:r>
+            <a:r>
+              <a:rPr lang="en-US" altLang="ko-KR" sz="2100" dirty="0">
+                <a:latin typeface="+mn-ea"/>
+                <a:ea typeface="+mn-ea"/>
+              </a:rPr>
+              <a:t>, </a:t>
+            </a:r>
+          </a:p>
+          <a:p>
+            <a:pPr algn="just">
+              <a:lnSpc>
+                <a:spcPct val="120000"/>
+              </a:lnSpc>
+              <a:defRPr/>
+            </a:pPr>
+            <a:r>
+              <a:rPr lang="en-US" altLang="ko-KR" sz="2100" dirty="0">
+                <a:latin typeface="+mn-ea"/>
+                <a:ea typeface="+mn-ea"/>
+              </a:rPr>
+              <a:t>tops: 18350</a:t>
+            </a:r>
+            <a:r>
+              <a:rPr lang="ko-KR" altLang="en-US" sz="2100" dirty="0">
+                <a:latin typeface="+mn-ea"/>
+                <a:ea typeface="+mn-ea"/>
+              </a:rPr>
+              <a:t>개</a:t>
+            </a:r>
+            <a:r>
+              <a:rPr lang="en-US" altLang="ko-KR" sz="2100" dirty="0">
+                <a:latin typeface="+mn-ea"/>
+                <a:ea typeface="+mn-ea"/>
+              </a:rPr>
+              <a:t>, </a:t>
+            </a:r>
+          </a:p>
+          <a:p>
+            <a:pPr algn="just">
+              <a:lnSpc>
+                <a:spcPct val="120000"/>
+              </a:lnSpc>
+              <a:defRPr/>
+            </a:pPr>
+            <a:r>
+              <a:rPr lang="en-US" altLang="ko-KR" sz="2100" dirty="0">
+                <a:latin typeface="+mn-ea"/>
+                <a:ea typeface="+mn-ea"/>
+              </a:rPr>
+              <a:t>bottoms: 6424</a:t>
+            </a:r>
+            <a:r>
+              <a:rPr lang="ko-KR" altLang="en-US" sz="2100" dirty="0">
+                <a:latin typeface="+mn-ea"/>
+                <a:ea typeface="+mn-ea"/>
+              </a:rPr>
+              <a:t>개</a:t>
+            </a:r>
+            <a:r>
+              <a:rPr lang="en-US" altLang="ko-KR" sz="2100" dirty="0">
+                <a:latin typeface="+mn-ea"/>
+                <a:ea typeface="+mn-ea"/>
+              </a:rPr>
+              <a:t>, </a:t>
+            </a:r>
+          </a:p>
+          <a:p>
+            <a:pPr algn="just">
+              <a:lnSpc>
+                <a:spcPct val="120000"/>
+              </a:lnSpc>
+              <a:defRPr/>
+            </a:pPr>
+            <a:r>
+              <a:rPr lang="en-US" altLang="ko-KR" sz="2100" dirty="0">
+                <a:latin typeface="+mn-ea"/>
+                <a:ea typeface="+mn-ea"/>
+              </a:rPr>
+              <a:t>shoes: 424</a:t>
+            </a:r>
+            <a:r>
+              <a:rPr lang="ko-KR" altLang="en-US" sz="2100" dirty="0">
+                <a:latin typeface="+mn-ea"/>
+                <a:ea typeface="+mn-ea"/>
+              </a:rPr>
+              <a:t>개</a:t>
+            </a:r>
+          </a:p>
         </p:txBody>
       </p:sp>
     </p:spTree>
     <p:extLst>
       <p:ext uri="{BB962C8B-B14F-4D97-AF65-F5344CB8AC3E}">
-        <p14:creationId xmlns:p14="http://schemas.microsoft.com/office/powerpoint/2010/main" val="2504952979"/>
+        <p14:creationId xmlns:p14="http://schemas.microsoft.com/office/powerpoint/2010/main" val="3493554566"/>
       </p:ext>
     </p:extLst>
   </p:cSld>
   <p:clrMapOvr>
     <a:masterClrMapping/>
   </p:clrMapOvr>
-  <p:timing>
-    <p:tnLst>
-      <p:par>
-        <p:cTn id="1" dur="indefinite" restart="never" nodeType="tmRoot"/>
-      </p:par>
-    </p:tnLst>
-  </p:timing>
 </p:sld>
 </file>
 
-<file path=ppt/slides/slide11.xml><?xml version="1.0" encoding="utf-8"?>
+<file path=ppt/slides/slide3.xml><?xml version="1.0" encoding="utf-8"?>
 <p:sld xmlns:a="http://schemas.openxmlformats.org/drawingml/2006/main" xmlns:r="http://schemas.openxmlformats.org/officeDocument/2006/relationships" xmlns:p="http://schemas.openxmlformats.org/presentationml/2006/main">
   <p:cSld>
     <p:spTree>
@@ -3415,13 +3650,7 @@
               <a:rPr lang="en-US" altLang="ko-KR" sz="4000" spc="-185" dirty="0">
                 <a:latin typeface="+mj-ea"/>
               </a:rPr>
-              <a:t>03. Mission </a:t>
-            </a:r>
-            <a:r>
-              <a:rPr lang="en-US" altLang="ko-KR" sz="4000" spc="-185" dirty="0" smtClean="0">
-                <a:latin typeface="+mj-ea"/>
-              </a:rPr>
-              <a:t>3</a:t>
+              <a:t>02. Mission 2</a:t>
             </a:r>
             <a:endParaRPr lang="ko-KR" altLang="en-US" sz="4000" spc="-185" dirty="0">
               <a:latin typeface="+mj-ea"/>
@@ -3439,8 +3668,8 @@
         </p:nvSpPr>
         <p:spPr>
           <a:xfrm>
-            <a:off x="363552" y="1669214"/>
-            <a:ext cx="11393019" cy="4379894"/>
+            <a:off x="363552" y="1547727"/>
+            <a:ext cx="11393019" cy="445258"/>
           </a:xfrm>
           <a:prstGeom prst="rect">
             <a:avLst/>
@@ -3474,46 +3703,1035 @@
               <a:defRPr/>
             </a:pPr>
             <a:r>
+              <a:rPr lang="en-US" altLang="ko-KR" sz="2100" spc="-185" dirty="0">
+                <a:latin typeface="+mn-ea"/>
+                <a:ea typeface="+mn-ea"/>
+              </a:rPr>
+              <a:t>2-1. </a:t>
+            </a:r>
+            <a:r>
               <a:rPr lang="ko-KR" altLang="en-US" sz="2100" spc="-185" dirty="0">
                 <a:latin typeface="+mn-ea"/>
                 <a:ea typeface="+mn-ea"/>
               </a:rPr>
-              <a:t>내용 폰트입니다</a:t>
+              <a:t>이미지 크기를 적절히 조절하거나</a:t>
             </a:r>
             <a:r>
               <a:rPr lang="en-US" altLang="ko-KR" sz="2100" spc="-185" dirty="0">
                 <a:latin typeface="+mn-ea"/>
                 <a:ea typeface="+mn-ea"/>
               </a:rPr>
-              <a:t>. (</a:t>
-            </a:r>
-            <a:r>
-              <a:rPr lang="ko-KR" altLang="en-US" sz="2100" spc="-185" err="1">
-                <a:latin typeface="+mn-ea"/>
-                <a:ea typeface="+mn-ea"/>
-              </a:rPr>
-              <a:t>맑은고딕</a:t>
-            </a:r>
-            <a:r>
-              <a:rPr lang="ko-KR" altLang="en-US" sz="2100" spc="-185">
+              <a:t>, </a:t>
+            </a:r>
+            <a:r>
+              <a:rPr lang="ko-KR" altLang="en-US" sz="2100" spc="-185" dirty="0">
+                <a:latin typeface="+mn-ea"/>
+                <a:ea typeface="+mn-ea"/>
+              </a:rPr>
+              <a:t>해상도를 조절하여 학습 데이터 셋을 </a:t>
+            </a:r>
+            <a:r>
+              <a:rPr lang="ko-KR" altLang="en-US" sz="2100" spc="-185" dirty="0" err="1">
+                <a:latin typeface="+mn-ea"/>
+                <a:ea typeface="+mn-ea"/>
+              </a:rPr>
+              <a:t>구축하시오</a:t>
+            </a:r>
+            <a:r>
+              <a:rPr lang="en-US" altLang="ko-KR" sz="2100" spc="-185" dirty="0">
+                <a:latin typeface="+mn-ea"/>
+                <a:ea typeface="+mn-ea"/>
+              </a:rPr>
+              <a:t>.</a:t>
+            </a:r>
+          </a:p>
+          <a:p>
+            <a:pPr>
+              <a:defRPr/>
+            </a:pPr>
+            <a:endParaRPr lang="en-US" altLang="ko-KR" sz="2100" spc="-185" dirty="0">
+              <a:latin typeface="+mn-ea"/>
+              <a:ea typeface="+mn-ea"/>
+            </a:endParaRPr>
+          </a:p>
+        </p:txBody>
+      </p:sp>
+      <p:sp>
+        <p:nvSpPr>
+          <p:cNvPr id="5" name="TextBox 4">
+            <a:extLst>
+              <a:ext uri="{FF2B5EF4-FFF2-40B4-BE49-F238E27FC236}">
+                <a16:creationId xmlns:a16="http://schemas.microsoft.com/office/drawing/2014/main" id="{BE27B679-F534-AA60-6303-182A391D5CE6}"/>
+              </a:ext>
+            </a:extLst>
+          </p:cNvPr>
+          <p:cNvSpPr txBox="1"/>
+          <p:nvPr/>
+        </p:nvSpPr>
+        <p:spPr>
+          <a:xfrm>
+            <a:off x="4308494" y="2031349"/>
+            <a:ext cx="7448077" cy="5024773"/>
+          </a:xfrm>
+          <a:prstGeom prst="rect">
+            <a:avLst/>
+          </a:prstGeom>
+          <a:noFill/>
+        </p:spPr>
+        <p:txBody>
+          <a:bodyPr wrap="square" rtlCol="0">
+            <a:spAutoFit/>
+          </a:bodyPr>
+          <a:lstStyle/>
+          <a:p>
+            <a:pPr>
+              <a:lnSpc>
+                <a:spcPct val="150000"/>
+              </a:lnSpc>
+              <a:defRPr/>
+            </a:pPr>
+            <a:r>
+              <a:rPr lang="en-US" altLang="ko-KR" sz="1800" spc="-185" dirty="0">
+                <a:latin typeface="+mn-ea"/>
+                <a:ea typeface="+mn-ea"/>
+              </a:rPr>
+              <a:t>1.</a:t>
+            </a:r>
+            <a:r>
+              <a:rPr lang="ko-KR" altLang="en-US" sz="1800" spc="-185" dirty="0">
+                <a:latin typeface="+mn-ea"/>
+                <a:ea typeface="+mn-ea"/>
+              </a:rPr>
+              <a:t> 이미지의 위</a:t>
+            </a:r>
+            <a:r>
+              <a:rPr lang="en-US" altLang="ko-KR" sz="1800" spc="-185" dirty="0">
+                <a:latin typeface="+mn-ea"/>
+                <a:ea typeface="+mn-ea"/>
+              </a:rPr>
+              <a:t>,</a:t>
+            </a:r>
+            <a:r>
+              <a:rPr lang="ko-KR" altLang="en-US" sz="1800" spc="-185" dirty="0">
+                <a:latin typeface="+mn-ea"/>
+                <a:ea typeface="+mn-ea"/>
+              </a:rPr>
+              <a:t> 아래</a:t>
+            </a:r>
+            <a:r>
+              <a:rPr lang="en-US" altLang="ko-KR" sz="1800" spc="-185" dirty="0">
+                <a:latin typeface="+mn-ea"/>
+                <a:ea typeface="+mn-ea"/>
+              </a:rPr>
+              <a:t>,</a:t>
+            </a:r>
+            <a:r>
+              <a:rPr lang="ko-KR" altLang="en-US" sz="1800" spc="-185" dirty="0">
+                <a:latin typeface="+mn-ea"/>
+                <a:ea typeface="+mn-ea"/>
+              </a:rPr>
+              <a:t> 양 옆을 강제로 제거한다</a:t>
+            </a:r>
+            <a:r>
+              <a:rPr lang="en-US" altLang="ko-KR" sz="1800" spc="-185" dirty="0">
+                <a:latin typeface="+mn-ea"/>
+                <a:ea typeface="+mn-ea"/>
+              </a:rPr>
+              <a:t>.</a:t>
+            </a:r>
+          </a:p>
+          <a:p>
+            <a:pPr>
+              <a:lnSpc>
+                <a:spcPct val="150000"/>
+              </a:lnSpc>
+              <a:defRPr/>
+            </a:pPr>
+            <a:r>
+              <a:rPr lang="en-US" altLang="ko-KR" sz="1800" spc="-185" dirty="0">
+                <a:latin typeface="+mn-ea"/>
+              </a:rPr>
+              <a:t>2.</a:t>
+            </a:r>
+            <a:r>
+              <a:rPr lang="ko-KR" altLang="en-US" sz="1800" spc="-185" dirty="0">
+                <a:latin typeface="+mn-ea"/>
+                <a:ea typeface="+mn-ea"/>
+              </a:rPr>
+              <a:t> 이미지의 해상도를 낮추고</a:t>
+            </a:r>
+            <a:r>
+              <a:rPr lang="en-US" altLang="ko-KR" sz="1800" spc="-185" dirty="0">
+                <a:latin typeface="+mn-ea"/>
+                <a:ea typeface="+mn-ea"/>
+              </a:rPr>
+              <a:t>,</a:t>
+            </a:r>
+            <a:r>
+              <a:rPr lang="ko-KR" altLang="en-US" sz="1800" spc="-185" dirty="0">
                 <a:latin typeface="+mn-ea"/>
                 <a:ea typeface="+mn-ea"/>
               </a:rPr>
               <a:t> </a:t>
             </a:r>
             <a:r>
-              <a:rPr lang="en-US" altLang="ko-KR" sz="2100" spc="-185" smtClean="0">
-                <a:latin typeface="+mn-ea"/>
-                <a:ea typeface="+mn-ea"/>
-              </a:rPr>
-              <a:t>21pt</a:t>
-            </a:r>
+              <a:rPr lang="en-US" altLang="ko-KR" sz="1800" spc="-185" dirty="0">
+                <a:latin typeface="+mn-ea"/>
+                <a:ea typeface="+mn-ea"/>
+              </a:rPr>
+              <a:t>Gray Scale</a:t>
+            </a:r>
+            <a:r>
+              <a:rPr lang="ko-KR" altLang="en-US" sz="1800" spc="-185" dirty="0">
+                <a:latin typeface="+mn-ea"/>
+                <a:ea typeface="+mn-ea"/>
+              </a:rPr>
+              <a:t>로 전환한다</a:t>
+            </a:r>
+            <a:r>
+              <a:rPr lang="en-US" altLang="ko-KR" sz="1800" spc="-185" dirty="0">
+                <a:latin typeface="+mn-ea"/>
+                <a:ea typeface="+mn-ea"/>
+              </a:rPr>
+              <a:t>.</a:t>
+            </a:r>
+            <a:r>
+              <a:rPr lang="ko-KR" altLang="en-US" sz="1800" spc="-185" dirty="0">
+                <a:latin typeface="+mn-ea"/>
+                <a:ea typeface="+mn-ea"/>
+              </a:rPr>
+              <a:t> </a:t>
+            </a:r>
+            <a:endParaRPr lang="en-US" altLang="ko-KR" sz="1800" spc="-185" dirty="0">
+              <a:latin typeface="+mn-ea"/>
+              <a:ea typeface="+mn-ea"/>
+            </a:endParaRPr>
+          </a:p>
+          <a:p>
+            <a:pPr>
+              <a:lnSpc>
+                <a:spcPct val="150000"/>
+              </a:lnSpc>
+              <a:defRPr/>
+            </a:pPr>
+            <a:r>
+              <a:rPr lang="en-US" altLang="ko-KR" sz="1800" spc="-185" dirty="0">
+                <a:latin typeface="+mn-ea"/>
+              </a:rPr>
+              <a:t>3.</a:t>
+            </a:r>
+            <a:r>
+              <a:rPr lang="ko-KR" altLang="en-US" sz="1800" spc="-185" dirty="0">
+                <a:latin typeface="+mn-ea"/>
+              </a:rPr>
+              <a:t> </a:t>
+            </a:r>
+            <a:r>
+              <a:rPr lang="en-US" altLang="ko-KR" sz="1800" spc="-185" dirty="0" err="1">
+                <a:latin typeface="+mn-ea"/>
+              </a:rPr>
+              <a:t>opencv</a:t>
+            </a:r>
+            <a:r>
+              <a:rPr lang="ko-KR" altLang="en-US" sz="1800" spc="-185" dirty="0">
+                <a:latin typeface="+mn-ea"/>
+              </a:rPr>
+              <a:t>의</a:t>
+            </a:r>
+            <a:r>
+              <a:rPr lang="en-US" altLang="ko-KR" sz="1800" spc="-185" dirty="0">
+                <a:latin typeface="+mn-ea"/>
+              </a:rPr>
+              <a:t> </a:t>
+            </a:r>
+            <a:r>
+              <a:rPr lang="en-US" altLang="ko-KR" sz="1800" spc="-185" dirty="0" err="1">
+                <a:latin typeface="+mn-ea"/>
+              </a:rPr>
+              <a:t>AdaptiveThreshold</a:t>
+            </a:r>
+            <a:r>
+              <a:rPr lang="ko-KR" altLang="en-US" sz="1800" spc="-185" dirty="0" err="1">
+                <a:latin typeface="+mn-ea"/>
+              </a:rPr>
+              <a:t>를</a:t>
+            </a:r>
+            <a:r>
+              <a:rPr lang="ko-KR" altLang="en-US" sz="1800" spc="-185" dirty="0">
+                <a:latin typeface="+mn-ea"/>
+              </a:rPr>
+              <a:t> 이용해 이미지 이진화를 한다</a:t>
+            </a:r>
+            <a:r>
+              <a:rPr lang="en-US" altLang="ko-KR" sz="1800" spc="-185" dirty="0">
+                <a:latin typeface="+mn-ea"/>
+              </a:rPr>
+              <a:t>.</a:t>
+            </a:r>
+          </a:p>
+          <a:p>
+            <a:pPr>
+              <a:lnSpc>
+                <a:spcPct val="150000"/>
+              </a:lnSpc>
+              <a:defRPr/>
+            </a:pPr>
+            <a:r>
+              <a:rPr lang="en-US" altLang="ko-KR" sz="1800" spc="-185" dirty="0">
+                <a:latin typeface="+mn-ea"/>
+              </a:rPr>
+              <a:t>4.</a:t>
+            </a:r>
+            <a:r>
+              <a:rPr lang="ko-KR" altLang="en-US" sz="1800" spc="-185" dirty="0">
+                <a:latin typeface="+mn-ea"/>
+              </a:rPr>
+              <a:t> 노이즈를 낮추기 위해 </a:t>
+            </a:r>
+            <a:r>
+              <a:rPr lang="en-US" altLang="ko-KR" sz="1800" spc="-185" dirty="0">
+                <a:latin typeface="+mn-ea"/>
+              </a:rPr>
+              <a:t>1</a:t>
+            </a:r>
+            <a:r>
+              <a:rPr lang="ko-KR" altLang="en-US" sz="1800" spc="-185" dirty="0">
+                <a:latin typeface="+mn-ea"/>
+              </a:rPr>
+              <a:t>차적으로 </a:t>
+            </a:r>
+            <a:r>
+              <a:rPr lang="en-US" altLang="ko-KR" sz="1800" spc="-185" dirty="0">
+                <a:latin typeface="+mn-ea"/>
+              </a:rPr>
+              <a:t>Blur</a:t>
+            </a:r>
+            <a:r>
+              <a:rPr lang="ko-KR" altLang="en-US" sz="1800" spc="-185" dirty="0">
+                <a:latin typeface="+mn-ea"/>
+              </a:rPr>
+              <a:t> 처리를 한다</a:t>
+            </a:r>
+            <a:r>
+              <a:rPr lang="en-US" altLang="ko-KR" sz="1800" spc="-185" dirty="0">
+                <a:latin typeface="+mn-ea"/>
+              </a:rPr>
+              <a:t>.</a:t>
+            </a:r>
+          </a:p>
+          <a:p>
+            <a:pPr>
+              <a:lnSpc>
+                <a:spcPct val="150000"/>
+              </a:lnSpc>
+              <a:defRPr/>
+            </a:pPr>
+            <a:r>
+              <a:rPr lang="en-US" altLang="ko-KR" sz="1800" spc="-185" dirty="0">
+                <a:latin typeface="+mn-ea"/>
+                <a:ea typeface="+mn-ea"/>
+              </a:rPr>
+              <a:t>5.</a:t>
+            </a:r>
+            <a:r>
+              <a:rPr lang="ko-KR" altLang="en-US" sz="1800" spc="-185" dirty="0">
+                <a:latin typeface="+mn-ea"/>
+                <a:ea typeface="+mn-ea"/>
+              </a:rPr>
+              <a:t> </a:t>
+            </a:r>
+            <a:r>
+              <a:rPr lang="en-US" altLang="ko-KR" sz="1800" spc="-185" dirty="0">
+                <a:latin typeface="+mn-ea"/>
+                <a:ea typeface="+mn-ea"/>
+              </a:rPr>
+              <a:t>2</a:t>
+            </a:r>
+            <a:r>
+              <a:rPr lang="ko-KR" altLang="en-US" sz="1800" spc="-185" dirty="0">
+                <a:latin typeface="+mn-ea"/>
+                <a:ea typeface="+mn-ea"/>
+              </a:rPr>
+              <a:t>차적으로 커널을 생성하여 </a:t>
+            </a:r>
+            <a:r>
+              <a:rPr lang="en-US" altLang="ko-KR" sz="1800" spc="-185" dirty="0">
+                <a:latin typeface="+mn-ea"/>
+                <a:ea typeface="+mn-ea"/>
+              </a:rPr>
+              <a:t>Morphology </a:t>
+            </a:r>
+            <a:r>
+              <a:rPr lang="ko-KR" altLang="en-US" sz="1800" spc="-185" dirty="0">
+                <a:latin typeface="+mn-ea"/>
+                <a:ea typeface="+mn-ea"/>
+              </a:rPr>
+              <a:t>연산 중 </a:t>
+            </a:r>
+            <a:endParaRPr lang="en-US" altLang="ko-KR" sz="1800" spc="-185" dirty="0">
+              <a:latin typeface="+mn-ea"/>
+              <a:ea typeface="+mn-ea"/>
+            </a:endParaRPr>
+          </a:p>
+          <a:p>
+            <a:pPr>
+              <a:lnSpc>
+                <a:spcPct val="150000"/>
+              </a:lnSpc>
+              <a:defRPr/>
+            </a:pPr>
+            <a:r>
+              <a:rPr lang="en-US" altLang="ko-KR" sz="1800" spc="-185" dirty="0">
+                <a:latin typeface="+mn-ea"/>
+                <a:ea typeface="+mn-ea"/>
+              </a:rPr>
+              <a:t>closing </a:t>
+            </a:r>
+            <a:r>
+              <a:rPr lang="ko-KR" altLang="en-US" sz="1800" spc="-185" dirty="0">
+                <a:latin typeface="+mn-ea"/>
+                <a:ea typeface="+mn-ea"/>
+              </a:rPr>
+              <a:t>연산과</a:t>
+            </a:r>
+            <a:r>
+              <a:rPr lang="ko-KR" altLang="en-US" sz="1800" spc="-185" dirty="0">
+                <a:latin typeface="+mn-ea"/>
+              </a:rPr>
+              <a:t> </a:t>
+            </a:r>
+            <a:r>
+              <a:rPr lang="en-US" altLang="ko-KR" sz="1800" spc="-185" dirty="0">
+                <a:latin typeface="+mn-ea"/>
+              </a:rPr>
+              <a:t>gradient </a:t>
+            </a:r>
+            <a:r>
+              <a:rPr lang="ko-KR" altLang="en-US" sz="1800" spc="-185" dirty="0">
+                <a:latin typeface="+mn-ea"/>
+              </a:rPr>
+              <a:t>연산을 거친다</a:t>
+            </a:r>
+            <a:r>
+              <a:rPr lang="en-US" altLang="ko-KR" sz="1800" spc="-185" dirty="0">
+                <a:latin typeface="+mn-ea"/>
+              </a:rPr>
+              <a:t>.</a:t>
+            </a:r>
+          </a:p>
+          <a:p>
+            <a:pPr>
+              <a:lnSpc>
+                <a:spcPct val="150000"/>
+              </a:lnSpc>
+              <a:defRPr/>
+            </a:pPr>
+            <a:r>
+              <a:rPr lang="en-US" altLang="ko-KR" sz="1800" spc="-185" dirty="0">
+                <a:latin typeface="+mn-ea"/>
+              </a:rPr>
+              <a:t>6.</a:t>
+            </a:r>
+            <a:r>
+              <a:rPr lang="ko-KR" altLang="en-US" sz="1800" spc="-185" dirty="0">
+                <a:latin typeface="+mn-ea"/>
+              </a:rPr>
+              <a:t> </a:t>
+            </a:r>
+            <a:r>
+              <a:rPr lang="en-US" altLang="ko-KR" sz="1800" spc="-185" dirty="0" err="1">
+                <a:latin typeface="+mn-ea"/>
+              </a:rPr>
+              <a:t>findContours</a:t>
+            </a:r>
+            <a:r>
+              <a:rPr lang="ko-KR" altLang="en-US" sz="1800" spc="-185" dirty="0">
+                <a:latin typeface="+mn-ea"/>
+              </a:rPr>
+              <a:t> 함수를 이용해 </a:t>
+            </a:r>
+            <a:r>
+              <a:rPr lang="ko-KR" altLang="en-US" sz="1800" spc="-185" dirty="0" err="1">
+                <a:latin typeface="+mn-ea"/>
+              </a:rPr>
+              <a:t>경계값을</a:t>
+            </a:r>
+            <a:r>
+              <a:rPr lang="ko-KR" altLang="en-US" sz="1800" spc="-185" dirty="0">
+                <a:latin typeface="+mn-ea"/>
+              </a:rPr>
+              <a:t> 도출한 후 </a:t>
+            </a:r>
+            <a:endParaRPr lang="en-US" altLang="ko-KR" sz="1800" spc="-185" dirty="0">
+              <a:latin typeface="+mn-ea"/>
+            </a:endParaRPr>
+          </a:p>
+          <a:p>
+            <a:pPr>
+              <a:lnSpc>
+                <a:spcPct val="150000"/>
+              </a:lnSpc>
+              <a:defRPr/>
+            </a:pPr>
+            <a:r>
+              <a:rPr lang="ko-KR" altLang="en-US" sz="1800" spc="-185" dirty="0">
+                <a:latin typeface="+mn-ea"/>
+              </a:rPr>
+              <a:t>그 </a:t>
+            </a:r>
+            <a:r>
+              <a:rPr lang="ko-KR" altLang="en-US" sz="1800" spc="-185" dirty="0" err="1">
+                <a:latin typeface="+mn-ea"/>
+              </a:rPr>
+              <a:t>경계값으로</a:t>
+            </a:r>
+            <a:r>
+              <a:rPr lang="ko-KR" altLang="en-US" sz="1800" spc="-185" dirty="0">
+                <a:latin typeface="+mn-ea"/>
+              </a:rPr>
+              <a:t> 사각형을 생성해 이미지 </a:t>
+            </a:r>
+            <a:r>
+              <a:rPr lang="en-US" altLang="ko-KR" sz="1800" spc="-185" dirty="0">
+                <a:latin typeface="+mn-ea"/>
+              </a:rPr>
+              <a:t>trimming </a:t>
+            </a:r>
+            <a:r>
+              <a:rPr lang="ko-KR" altLang="en-US" sz="1800" spc="-185" dirty="0">
+                <a:latin typeface="+mn-ea"/>
+              </a:rPr>
+              <a:t>좌표를 생성한다</a:t>
+            </a:r>
+            <a:r>
+              <a:rPr lang="en-US" altLang="ko-KR" sz="1800" spc="-185" dirty="0">
+                <a:latin typeface="+mn-ea"/>
+              </a:rPr>
+              <a:t>.</a:t>
+            </a:r>
+          </a:p>
+          <a:p>
+            <a:pPr>
+              <a:lnSpc>
+                <a:spcPct val="150000"/>
+              </a:lnSpc>
+              <a:defRPr/>
+            </a:pPr>
+            <a:r>
+              <a:rPr lang="en-US" altLang="ko-KR" sz="1800" spc="-185" dirty="0">
+                <a:latin typeface="+mn-ea"/>
+              </a:rPr>
+              <a:t>7.</a:t>
+            </a:r>
+            <a:r>
+              <a:rPr lang="ko-KR" altLang="en-US" sz="1800" spc="-185" dirty="0">
+                <a:latin typeface="+mn-ea"/>
+              </a:rPr>
+              <a:t> 적응형 이진화 된 이미지를 </a:t>
+            </a:r>
+            <a:r>
+              <a:rPr lang="en-US" altLang="ko-KR" sz="1800" spc="-185" dirty="0">
+                <a:latin typeface="+mn-ea"/>
+              </a:rPr>
+              <a:t>6</a:t>
+            </a:r>
+            <a:r>
+              <a:rPr lang="ko-KR" altLang="en-US" sz="1800" spc="-185" dirty="0">
+                <a:latin typeface="+mn-ea"/>
+              </a:rPr>
+              <a:t>번에서 구한 좌표로 자르고</a:t>
+            </a:r>
+            <a:endParaRPr lang="en-US" altLang="ko-KR" sz="1800" spc="-185" dirty="0">
+              <a:latin typeface="+mn-ea"/>
+            </a:endParaRPr>
+          </a:p>
+          <a:p>
+            <a:pPr>
+              <a:lnSpc>
+                <a:spcPct val="150000"/>
+              </a:lnSpc>
+              <a:defRPr/>
+            </a:pPr>
+            <a:r>
+              <a:rPr lang="en-US" altLang="ko-KR" sz="1800" spc="-185" dirty="0">
+                <a:latin typeface="+mn-ea"/>
+              </a:rPr>
+              <a:t>Return </a:t>
+            </a:r>
+            <a:r>
+              <a:rPr lang="ko-KR" altLang="en-US" sz="1800" spc="-185" dirty="0">
+                <a:latin typeface="+mn-ea"/>
+              </a:rPr>
+              <a:t>한다</a:t>
+            </a:r>
+            <a:r>
+              <a:rPr lang="en-US" altLang="ko-KR" sz="1800" spc="-185" dirty="0">
+                <a:latin typeface="+mn-ea"/>
+              </a:rPr>
+              <a:t>.</a:t>
+            </a:r>
+          </a:p>
+          <a:p>
+            <a:pPr>
+              <a:lnSpc>
+                <a:spcPct val="150000"/>
+              </a:lnSpc>
+              <a:defRPr/>
+            </a:pPr>
+            <a:endParaRPr lang="en-US" altLang="ko-KR" sz="1800" spc="-185" dirty="0">
+              <a:latin typeface="+mn-ea"/>
+            </a:endParaRPr>
+          </a:p>
+          <a:p>
+            <a:pPr>
+              <a:lnSpc>
+                <a:spcPct val="150000"/>
+              </a:lnSpc>
+              <a:defRPr/>
+            </a:pPr>
+            <a:endParaRPr lang="en-US" altLang="ko-KR" sz="1800" spc="-185" dirty="0">
+              <a:latin typeface="+mn-ea"/>
+              <a:ea typeface="+mn-ea"/>
+            </a:endParaRPr>
+          </a:p>
+        </p:txBody>
+      </p:sp>
+      <p:pic>
+        <p:nvPicPr>
+          <p:cNvPr id="6" name="그림 5">
+            <a:extLst>
+              <a:ext uri="{FF2B5EF4-FFF2-40B4-BE49-F238E27FC236}">
+                <a16:creationId xmlns:a16="http://schemas.microsoft.com/office/drawing/2014/main" id="{EE882DA8-81DF-FCCE-25FC-03A2CCC2406C}"/>
+              </a:ext>
+            </a:extLst>
+          </p:cNvPr>
+          <p:cNvPicPr>
+            <a:picLocks noChangeAspect="1"/>
+          </p:cNvPicPr>
+          <p:nvPr/>
+        </p:nvPicPr>
+        <p:blipFill>
+          <a:blip r:embed="rId3"/>
+          <a:stretch>
+            <a:fillRect/>
+          </a:stretch>
+        </p:blipFill>
+        <p:spPr>
+          <a:xfrm>
+            <a:off x="460549" y="1991157"/>
+            <a:ext cx="3282518" cy="4772643"/>
+          </a:xfrm>
+          <a:prstGeom prst="rect">
+            <a:avLst/>
+          </a:prstGeom>
+        </p:spPr>
+      </p:pic>
+    </p:spTree>
+    <p:extLst>
+      <p:ext uri="{BB962C8B-B14F-4D97-AF65-F5344CB8AC3E}">
+        <p14:creationId xmlns:p14="http://schemas.microsoft.com/office/powerpoint/2010/main" val="3434640500"/>
+      </p:ext>
+    </p:extLst>
+  </p:cSld>
+  <p:clrMapOvr>
+    <a:masterClrMapping/>
+  </p:clrMapOvr>
+</p:sld>
+</file>
+
+<file path=ppt/slides/slide4.xml><?xml version="1.0" encoding="utf-8"?>
+<p:sld xmlns:a="http://schemas.openxmlformats.org/drawingml/2006/main" xmlns:r="http://schemas.openxmlformats.org/officeDocument/2006/relationships" xmlns:p="http://schemas.openxmlformats.org/presentationml/2006/main">
+  <p:cSld>
+    <p:spTree>
+      <p:nvGrpSpPr>
+        <p:cNvPr id="1" name=""/>
+        <p:cNvGrpSpPr/>
+        <p:nvPr/>
+      </p:nvGrpSpPr>
+      <p:grpSpPr>
+        <a:xfrm>
+          <a:off x="0" y="0"/>
+          <a:ext cx="0" cy="0"/>
+          <a:chOff x="0" y="0"/>
+          <a:chExt cx="0" cy="0"/>
+        </a:xfrm>
+      </p:grpSpPr>
+      <p:pic>
+        <p:nvPicPr>
+          <p:cNvPr id="2" name="그림 1"/>
+          <p:cNvPicPr>
+            <a:picLocks noChangeAspect="1"/>
+          </p:cNvPicPr>
+          <p:nvPr/>
+        </p:nvPicPr>
+        <p:blipFill>
+          <a:blip r:embed="rId2">
+            <a:extLst>
+              <a:ext uri="{28A0092B-C50C-407E-A947-70E740481C1C}">
+                <a14:useLocalDpi xmlns:a14="http://schemas.microsoft.com/office/drawing/2010/main" val="0"/>
+              </a:ext>
+            </a:extLst>
+          </a:blip>
+          <a:stretch>
+            <a:fillRect/>
+          </a:stretch>
+        </p:blipFill>
+        <p:spPr>
+          <a:xfrm>
+            <a:off x="0" y="0"/>
+            <a:ext cx="12192000" cy="6858000"/>
+          </a:xfrm>
+          <a:prstGeom prst="rect">
+            <a:avLst/>
+          </a:prstGeom>
+        </p:spPr>
+      </p:pic>
+      <p:sp>
+        <p:nvSpPr>
+          <p:cNvPr id="48" name="제목 38"/>
+          <p:cNvSpPr>
+            <a:spLocks noGrp="1"/>
+          </p:cNvSpPr>
+          <p:nvPr>
+            <p:ph type="title"/>
+          </p:nvPr>
+        </p:nvSpPr>
+        <p:spPr>
+          <a:xfrm>
+            <a:off x="363552" y="406401"/>
+            <a:ext cx="9862863" cy="856412"/>
+          </a:xfrm>
+        </p:spPr>
+        <p:txBody>
+          <a:bodyPr rtlCol="0">
+            <a:noAutofit/>
+          </a:bodyPr>
+          <a:lstStyle/>
+          <a:p>
+            <a:pPr>
+              <a:defRPr/>
+            </a:pPr>
+            <a:r>
+              <a:rPr lang="en-US" altLang="ko-KR" sz="4000" spc="-185" dirty="0">
+                <a:latin typeface="+mj-ea"/>
+              </a:rPr>
+              <a:t>02. Mission 2</a:t>
+            </a:r>
+            <a:endParaRPr lang="ko-KR" altLang="en-US" sz="4000" spc="-185" dirty="0">
+              <a:latin typeface="+mj-ea"/>
+            </a:endParaRPr>
+          </a:p>
+        </p:txBody>
+      </p:sp>
+      <p:sp>
+        <p:nvSpPr>
+          <p:cNvPr id="13" name="제목 38"/>
+          <p:cNvSpPr txBox="1">
+            <a:spLocks/>
+          </p:cNvSpPr>
+          <p:nvPr/>
+        </p:nvSpPr>
+        <p:spPr>
+          <a:xfrm>
+            <a:off x="363552" y="1507970"/>
+            <a:ext cx="11523648" cy="1066265"/>
+          </a:xfrm>
+          <a:prstGeom prst="rect">
+            <a:avLst/>
+          </a:prstGeom>
+        </p:spPr>
+        <p:txBody>
+          <a:bodyPr vert="horz" lIns="112542" tIns="56271" rIns="112542" bIns="56271" rtlCol="0" anchor="t">
+            <a:noAutofit/>
+          </a:bodyPr>
+          <a:lstStyle>
+            <a:lvl1pPr algn="l" defTabSz="914400" rtl="0" eaLnBrk="1" latinLnBrk="1" hangingPunct="1">
+              <a:lnSpc>
+                <a:spcPct val="90000"/>
+              </a:lnSpc>
+              <a:spcBef>
+                <a:spcPct val="0"/>
+              </a:spcBef>
+              <a:buNone/>
+              <a:defRPr sz="4400" kern="1200">
+                <a:solidFill>
+                  <a:schemeClr val="tx1"/>
+                </a:solidFill>
+                <a:latin typeface="+mj-lt"/>
+                <a:ea typeface="+mj-ea"/>
+                <a:cs typeface="+mj-cs"/>
+              </a:defRPr>
+            </a:lvl1pPr>
+          </a:lstStyle>
+          <a:p>
+            <a:pPr>
+              <a:lnSpc>
+                <a:spcPct val="150000"/>
+              </a:lnSpc>
+              <a:defRPr/>
+            </a:pPr>
             <a:r>
               <a:rPr lang="en-US" altLang="ko-KR" sz="2100" spc="-185" dirty="0">
                 <a:latin typeface="+mn-ea"/>
                 <a:ea typeface="+mn-ea"/>
               </a:rPr>
-              <a:t>)</a:t>
+              <a:t>2-2. Color</a:t>
+            </a:r>
+            <a:r>
+              <a:rPr lang="ko-KR" altLang="en-US" sz="2100" spc="-185" dirty="0">
+                <a:latin typeface="+mn-ea"/>
+                <a:ea typeface="+mn-ea"/>
+              </a:rPr>
+              <a:t>는 자세한 정보지만</a:t>
+            </a:r>
+            <a:r>
+              <a:rPr lang="en-US" altLang="ko-KR" sz="2100" spc="-185" dirty="0">
+                <a:latin typeface="+mn-ea"/>
+                <a:ea typeface="+mn-ea"/>
+              </a:rPr>
+              <a:t>, </a:t>
+            </a:r>
+            <a:r>
+              <a:rPr lang="ko-KR" altLang="en-US" sz="2100" spc="-185" dirty="0">
+                <a:latin typeface="+mn-ea"/>
+                <a:ea typeface="+mn-ea"/>
+              </a:rPr>
+              <a:t>데이터가 크고</a:t>
+            </a:r>
+            <a:r>
+              <a:rPr lang="en-US" altLang="ko-KR" sz="2100" spc="-185" dirty="0">
+                <a:latin typeface="+mn-ea"/>
+                <a:ea typeface="+mn-ea"/>
+              </a:rPr>
+              <a:t>, Gray</a:t>
+            </a:r>
+            <a:r>
+              <a:rPr lang="ko-KR" altLang="en-US" sz="2100" spc="-185" dirty="0">
+                <a:latin typeface="+mn-ea"/>
+                <a:ea typeface="+mn-ea"/>
+              </a:rPr>
+              <a:t>는 덜 자세하지만 데이터가 작아</a:t>
+            </a:r>
+            <a:r>
+              <a:rPr lang="en-US" altLang="ko-KR" sz="2100" spc="-185" dirty="0">
+                <a:latin typeface="+mn-ea"/>
+                <a:ea typeface="+mn-ea"/>
+              </a:rPr>
+              <a:t> </a:t>
+            </a:r>
+            <a:r>
+              <a:rPr lang="ko-KR" altLang="en-US" sz="2100" spc="-185" dirty="0">
+                <a:latin typeface="+mn-ea"/>
+                <a:ea typeface="+mn-ea"/>
+              </a:rPr>
+              <a:t>학습에 유리하다</a:t>
+            </a:r>
+            <a:r>
+              <a:rPr lang="en-US" altLang="ko-KR" sz="2100" spc="-185" dirty="0">
+                <a:latin typeface="+mn-ea"/>
+                <a:ea typeface="+mn-ea"/>
+              </a:rPr>
+              <a:t>. </a:t>
+            </a:r>
+            <a:r>
+              <a:rPr lang="ko-KR" altLang="en-US" sz="2100" spc="-185" dirty="0">
+                <a:latin typeface="+mn-ea"/>
+                <a:ea typeface="+mn-ea"/>
+              </a:rPr>
+              <a:t>어떤 데이터셋이 분류문제에서 더 좋은 결과를 보이는가</a:t>
+            </a:r>
+            <a:r>
+              <a:rPr lang="en-US" altLang="ko-KR" sz="2100" spc="-185" dirty="0">
+                <a:latin typeface="+mn-ea"/>
+                <a:ea typeface="+mn-ea"/>
+              </a:rPr>
+              <a:t>?</a:t>
+            </a:r>
+          </a:p>
+        </p:txBody>
+      </p:sp>
+    </p:spTree>
+    <p:extLst>
+      <p:ext uri="{BB962C8B-B14F-4D97-AF65-F5344CB8AC3E}">
+        <p14:creationId xmlns:p14="http://schemas.microsoft.com/office/powerpoint/2010/main" val="3233515066"/>
+      </p:ext>
+    </p:extLst>
+  </p:cSld>
+  <p:clrMapOvr>
+    <a:masterClrMapping/>
+  </p:clrMapOvr>
+</p:sld>
+</file>
+
+<file path=ppt/slides/slide5.xml><?xml version="1.0" encoding="utf-8"?>
+<p:sld xmlns:a="http://schemas.openxmlformats.org/drawingml/2006/main" xmlns:r="http://schemas.openxmlformats.org/officeDocument/2006/relationships" xmlns:p="http://schemas.openxmlformats.org/presentationml/2006/main">
+  <p:cSld>
+    <p:spTree>
+      <p:nvGrpSpPr>
+        <p:cNvPr id="1" name=""/>
+        <p:cNvGrpSpPr/>
+        <p:nvPr/>
+      </p:nvGrpSpPr>
+      <p:grpSpPr>
+        <a:xfrm>
+          <a:off x="0" y="0"/>
+          <a:ext cx="0" cy="0"/>
+          <a:chOff x="0" y="0"/>
+          <a:chExt cx="0" cy="0"/>
+        </a:xfrm>
+      </p:grpSpPr>
+      <p:pic>
+        <p:nvPicPr>
+          <p:cNvPr id="2" name="그림 1"/>
+          <p:cNvPicPr>
+            <a:picLocks noChangeAspect="1"/>
+          </p:cNvPicPr>
+          <p:nvPr/>
+        </p:nvPicPr>
+        <p:blipFill>
+          <a:blip r:embed="rId2">
+            <a:extLst>
+              <a:ext uri="{28A0092B-C50C-407E-A947-70E740481C1C}">
+                <a14:useLocalDpi xmlns:a14="http://schemas.microsoft.com/office/drawing/2010/main" val="0"/>
+              </a:ext>
+            </a:extLst>
+          </a:blip>
+          <a:stretch>
+            <a:fillRect/>
+          </a:stretch>
+        </p:blipFill>
+        <p:spPr>
+          <a:xfrm>
+            <a:off x="0" y="0"/>
+            <a:ext cx="12192000" cy="6858000"/>
+          </a:xfrm>
+          <a:prstGeom prst="rect">
+            <a:avLst/>
+          </a:prstGeom>
+        </p:spPr>
+      </p:pic>
+      <p:sp>
+        <p:nvSpPr>
+          <p:cNvPr id="48" name="제목 38"/>
+          <p:cNvSpPr>
+            <a:spLocks noGrp="1"/>
+          </p:cNvSpPr>
+          <p:nvPr>
+            <p:ph type="title"/>
+          </p:nvPr>
+        </p:nvSpPr>
+        <p:spPr>
+          <a:xfrm>
+            <a:off x="363552" y="406401"/>
+            <a:ext cx="9862863" cy="856412"/>
+          </a:xfrm>
+        </p:spPr>
+        <p:txBody>
+          <a:bodyPr rtlCol="0">
+            <a:noAutofit/>
+          </a:bodyPr>
+          <a:lstStyle/>
+          <a:p>
+            <a:pPr>
+              <a:defRPr/>
+            </a:pPr>
+            <a:r>
+              <a:rPr lang="en-US" altLang="ko-KR" sz="4000" spc="-185" dirty="0">
+                <a:latin typeface="+mj-ea"/>
+              </a:rPr>
+              <a:t>03. Mission 3</a:t>
+            </a:r>
+            <a:endParaRPr lang="ko-KR" altLang="en-US" sz="4000" spc="-185" dirty="0">
+              <a:latin typeface="+mj-ea"/>
+            </a:endParaRPr>
+          </a:p>
+        </p:txBody>
+      </p:sp>
+      <p:sp>
+        <p:nvSpPr>
+          <p:cNvPr id="13" name="제목 38"/>
+          <p:cNvSpPr txBox="1">
+            <a:spLocks/>
+          </p:cNvSpPr>
+          <p:nvPr/>
+        </p:nvSpPr>
+        <p:spPr>
+          <a:xfrm>
+            <a:off x="363552" y="1669214"/>
+            <a:ext cx="11393019" cy="4379894"/>
+          </a:xfrm>
+          <a:prstGeom prst="rect">
+            <a:avLst/>
+          </a:prstGeom>
+        </p:spPr>
+        <p:txBody>
+          <a:bodyPr vert="horz" lIns="112542" tIns="56271" rIns="112542" bIns="56271" rtlCol="0" anchor="t">
+            <a:noAutofit/>
+          </a:bodyPr>
+          <a:lstStyle>
+            <a:lvl1pPr algn="l" defTabSz="914400" rtl="0" eaLnBrk="1" latinLnBrk="1" hangingPunct="1">
+              <a:lnSpc>
+                <a:spcPct val="90000"/>
+              </a:lnSpc>
+              <a:spcBef>
+                <a:spcPct val="0"/>
+              </a:spcBef>
+              <a:buNone/>
+              <a:defRPr sz="4400" kern="1200">
+                <a:solidFill>
+                  <a:schemeClr val="tx1"/>
+                </a:solidFill>
+                <a:latin typeface="+mj-lt"/>
+                <a:ea typeface="+mj-ea"/>
+                <a:cs typeface="+mj-cs"/>
+              </a:defRPr>
+            </a:lvl1pPr>
+          </a:lstStyle>
+          <a:p>
+            <a:pPr>
+              <a:defRPr/>
+            </a:pPr>
+            <a:r>
+              <a:rPr lang="en-US" altLang="ko-KR" sz="2100" spc="-185" dirty="0">
+                <a:latin typeface="+mn-ea"/>
+                <a:ea typeface="+mn-ea"/>
+              </a:rPr>
+              <a:t>3-1. </a:t>
+            </a:r>
+            <a:r>
+              <a:rPr lang="ko-KR" altLang="en-US" sz="2100" spc="-185" dirty="0">
+                <a:latin typeface="+mn-ea"/>
+                <a:ea typeface="+mn-ea"/>
+              </a:rPr>
+              <a:t>분류 문제를 수행하여 </a:t>
+            </a:r>
+            <a:r>
+              <a:rPr lang="en" altLang="ko-KR" sz="2100" spc="-185" dirty="0">
+                <a:latin typeface="+mn-ea"/>
+                <a:ea typeface="+mn-ea"/>
+              </a:rPr>
+              <a:t>Validation </a:t>
+            </a:r>
+            <a:r>
+              <a:rPr lang="ko-KR" altLang="en-US" sz="2100" spc="-185" dirty="0">
+                <a:latin typeface="+mn-ea"/>
+                <a:ea typeface="+mn-ea"/>
+              </a:rPr>
+              <a:t>데이터의 라벨 별 정확도를 </a:t>
+            </a:r>
+            <a:r>
+              <a:rPr lang="ko-KR" altLang="en-US" sz="2100" spc="-185" dirty="0" err="1">
+                <a:latin typeface="+mn-ea"/>
+                <a:ea typeface="+mn-ea"/>
+              </a:rPr>
+              <a:t>제시하시오</a:t>
+            </a:r>
+            <a:r>
+              <a:rPr lang="en-US" altLang="ko-KR" sz="2100" spc="-185" dirty="0">
+                <a:latin typeface="+mn-ea"/>
+                <a:ea typeface="+mn-ea"/>
+              </a:rPr>
+              <a:t>.</a:t>
             </a:r>
             <a:endParaRPr lang="ko-KR" altLang="en-US" sz="2100" spc="-185" dirty="0">
               <a:latin typeface="+mn-ea"/>
@@ -3532,17 +4750,398 @@
   <p:clrMapOvr>
     <a:masterClrMapping/>
   </p:clrMapOvr>
-  <p:timing>
-    <p:tnLst>
-      <p:par>
-        <p:cTn id="1" dur="indefinite" restart="never" nodeType="tmRoot"/>
-      </p:par>
-    </p:tnLst>
-  </p:timing>
 </p:sld>
 </file>
 
-<file path=ppt/slides/slide12.xml><?xml version="1.0" encoding="utf-8"?>
+<file path=ppt/slides/slide6.xml><?xml version="1.0" encoding="utf-8"?>
+<p:sld xmlns:a="http://schemas.openxmlformats.org/drawingml/2006/main" xmlns:r="http://schemas.openxmlformats.org/officeDocument/2006/relationships" xmlns:p="http://schemas.openxmlformats.org/presentationml/2006/main">
+  <p:cSld>
+    <p:spTree>
+      <p:nvGrpSpPr>
+        <p:cNvPr id="1" name=""/>
+        <p:cNvGrpSpPr/>
+        <p:nvPr/>
+      </p:nvGrpSpPr>
+      <p:grpSpPr>
+        <a:xfrm>
+          <a:off x="0" y="0"/>
+          <a:ext cx="0" cy="0"/>
+          <a:chOff x="0" y="0"/>
+          <a:chExt cx="0" cy="0"/>
+        </a:xfrm>
+      </p:grpSpPr>
+      <p:pic>
+        <p:nvPicPr>
+          <p:cNvPr id="2" name="그림 1"/>
+          <p:cNvPicPr>
+            <a:picLocks noChangeAspect="1"/>
+          </p:cNvPicPr>
+          <p:nvPr/>
+        </p:nvPicPr>
+        <p:blipFill>
+          <a:blip r:embed="rId2">
+            <a:extLst>
+              <a:ext uri="{28A0092B-C50C-407E-A947-70E740481C1C}">
+                <a14:useLocalDpi xmlns:a14="http://schemas.microsoft.com/office/drawing/2010/main" val="0"/>
+              </a:ext>
+            </a:extLst>
+          </a:blip>
+          <a:stretch>
+            <a:fillRect/>
+          </a:stretch>
+        </p:blipFill>
+        <p:spPr>
+          <a:xfrm>
+            <a:off x="0" y="0"/>
+            <a:ext cx="12192000" cy="6858000"/>
+          </a:xfrm>
+          <a:prstGeom prst="rect">
+            <a:avLst/>
+          </a:prstGeom>
+        </p:spPr>
+      </p:pic>
+      <p:sp>
+        <p:nvSpPr>
+          <p:cNvPr id="48" name="제목 38"/>
+          <p:cNvSpPr>
+            <a:spLocks noGrp="1"/>
+          </p:cNvSpPr>
+          <p:nvPr>
+            <p:ph type="title"/>
+          </p:nvPr>
+        </p:nvSpPr>
+        <p:spPr>
+          <a:xfrm>
+            <a:off x="363552" y="406401"/>
+            <a:ext cx="9862863" cy="856412"/>
+          </a:xfrm>
+        </p:spPr>
+        <p:txBody>
+          <a:bodyPr rtlCol="0">
+            <a:noAutofit/>
+          </a:bodyPr>
+          <a:lstStyle/>
+          <a:p>
+            <a:pPr>
+              <a:defRPr/>
+            </a:pPr>
+            <a:r>
+              <a:rPr lang="en-US" altLang="ko-KR" sz="4000" spc="-185" dirty="0">
+                <a:latin typeface="+mj-ea"/>
+              </a:rPr>
+              <a:t>03. Mission 3</a:t>
+            </a:r>
+            <a:endParaRPr lang="ko-KR" altLang="en-US" sz="4000" spc="-185" dirty="0">
+              <a:latin typeface="+mj-ea"/>
+            </a:endParaRPr>
+          </a:p>
+        </p:txBody>
+      </p:sp>
+      <p:sp>
+        <p:nvSpPr>
+          <p:cNvPr id="13" name="제목 38"/>
+          <p:cNvSpPr txBox="1">
+            <a:spLocks/>
+          </p:cNvSpPr>
+          <p:nvPr/>
+        </p:nvSpPr>
+        <p:spPr>
+          <a:xfrm>
+            <a:off x="363552" y="1669214"/>
+            <a:ext cx="11393019" cy="4379894"/>
+          </a:xfrm>
+          <a:prstGeom prst="rect">
+            <a:avLst/>
+          </a:prstGeom>
+        </p:spPr>
+        <p:txBody>
+          <a:bodyPr vert="horz" lIns="112542" tIns="56271" rIns="112542" bIns="56271" rtlCol="0" anchor="t">
+            <a:noAutofit/>
+          </a:bodyPr>
+          <a:lstStyle>
+            <a:lvl1pPr algn="l" defTabSz="914400" rtl="0" eaLnBrk="1" latinLnBrk="1" hangingPunct="1">
+              <a:lnSpc>
+                <a:spcPct val="90000"/>
+              </a:lnSpc>
+              <a:spcBef>
+                <a:spcPct val="0"/>
+              </a:spcBef>
+              <a:buNone/>
+              <a:defRPr sz="4400" kern="1200">
+                <a:solidFill>
+                  <a:schemeClr val="tx1"/>
+                </a:solidFill>
+                <a:latin typeface="+mj-lt"/>
+                <a:ea typeface="+mj-ea"/>
+                <a:cs typeface="+mj-cs"/>
+              </a:defRPr>
+            </a:lvl1pPr>
+          </a:lstStyle>
+          <a:p>
+            <a:pPr>
+              <a:defRPr/>
+            </a:pPr>
+            <a:r>
+              <a:rPr lang="en-US" altLang="ko-KR" sz="2100" spc="-185" dirty="0">
+                <a:latin typeface="+mn-ea"/>
+                <a:ea typeface="+mn-ea"/>
+              </a:rPr>
+              <a:t>3-2. </a:t>
+            </a:r>
+            <a:r>
+              <a:rPr lang="ko-KR" altLang="en-US" sz="2100" spc="-185" dirty="0">
+                <a:latin typeface="+mn-ea"/>
+                <a:ea typeface="+mn-ea"/>
+              </a:rPr>
+              <a:t>정확도를 올리는 작업을 수행하고 작업 수행과정을 </a:t>
+            </a:r>
+            <a:r>
+              <a:rPr lang="ko-KR" altLang="en-US" sz="2100" spc="-185" dirty="0" err="1">
+                <a:latin typeface="+mn-ea"/>
+                <a:ea typeface="+mn-ea"/>
+              </a:rPr>
+              <a:t>설명하시오</a:t>
+            </a:r>
+            <a:r>
+              <a:rPr lang="en-US" altLang="ko-KR" sz="2100" spc="-185" dirty="0">
+                <a:latin typeface="+mn-ea"/>
+                <a:ea typeface="+mn-ea"/>
+              </a:rPr>
+              <a:t>.</a:t>
+            </a:r>
+            <a:endParaRPr lang="ko-KR" altLang="en-US" sz="2100" spc="-185" dirty="0">
+              <a:latin typeface="+mn-ea"/>
+              <a:ea typeface="+mn-ea"/>
+            </a:endParaRPr>
+          </a:p>
+        </p:txBody>
+      </p:sp>
+    </p:spTree>
+    <p:extLst>
+      <p:ext uri="{BB962C8B-B14F-4D97-AF65-F5344CB8AC3E}">
+        <p14:creationId xmlns:p14="http://schemas.microsoft.com/office/powerpoint/2010/main" val="3567038506"/>
+      </p:ext>
+    </p:extLst>
+  </p:cSld>
+  <p:clrMapOvr>
+    <a:masterClrMapping/>
+  </p:clrMapOvr>
+</p:sld>
+</file>
+
+<file path=ppt/slides/slide7.xml><?xml version="1.0" encoding="utf-8"?>
+<p:sld xmlns:a="http://schemas.openxmlformats.org/drawingml/2006/main" xmlns:r="http://schemas.openxmlformats.org/officeDocument/2006/relationships" xmlns:p="http://schemas.openxmlformats.org/presentationml/2006/main">
+  <p:cSld>
+    <p:spTree>
+      <p:nvGrpSpPr>
+        <p:cNvPr id="1" name=""/>
+        <p:cNvGrpSpPr/>
+        <p:nvPr/>
+      </p:nvGrpSpPr>
+      <p:grpSpPr>
+        <a:xfrm>
+          <a:off x="0" y="0"/>
+          <a:ext cx="0" cy="0"/>
+          <a:chOff x="0" y="0"/>
+          <a:chExt cx="0" cy="0"/>
+        </a:xfrm>
+      </p:grpSpPr>
+      <p:pic>
+        <p:nvPicPr>
+          <p:cNvPr id="2" name="그림 1"/>
+          <p:cNvPicPr>
+            <a:picLocks noChangeAspect="1"/>
+          </p:cNvPicPr>
+          <p:nvPr/>
+        </p:nvPicPr>
+        <p:blipFill>
+          <a:blip r:embed="rId2">
+            <a:extLst>
+              <a:ext uri="{28A0092B-C50C-407E-A947-70E740481C1C}">
+                <a14:useLocalDpi xmlns:a14="http://schemas.microsoft.com/office/drawing/2010/main" val="0"/>
+              </a:ext>
+            </a:extLst>
+          </a:blip>
+          <a:stretch>
+            <a:fillRect/>
+          </a:stretch>
+        </p:blipFill>
+        <p:spPr>
+          <a:xfrm>
+            <a:off x="0" y="0"/>
+            <a:ext cx="12192000" cy="6858000"/>
+          </a:xfrm>
+          <a:prstGeom prst="rect">
+            <a:avLst/>
+          </a:prstGeom>
+        </p:spPr>
+      </p:pic>
+      <p:sp>
+        <p:nvSpPr>
+          <p:cNvPr id="48" name="제목 38"/>
+          <p:cNvSpPr>
+            <a:spLocks noGrp="1"/>
+          </p:cNvSpPr>
+          <p:nvPr>
+            <p:ph type="title"/>
+          </p:nvPr>
+        </p:nvSpPr>
+        <p:spPr>
+          <a:xfrm>
+            <a:off x="363552" y="406401"/>
+            <a:ext cx="9862863" cy="856412"/>
+          </a:xfrm>
+        </p:spPr>
+        <p:txBody>
+          <a:bodyPr rtlCol="0">
+            <a:noAutofit/>
+          </a:bodyPr>
+          <a:lstStyle/>
+          <a:p>
+            <a:pPr>
+              <a:defRPr/>
+            </a:pPr>
+            <a:r>
+              <a:rPr lang="en-US" altLang="ko-KR" sz="4000" spc="-185" dirty="0">
+                <a:latin typeface="+mj-ea"/>
+              </a:rPr>
+              <a:t>03. Mission 3</a:t>
+            </a:r>
+            <a:endParaRPr lang="ko-KR" altLang="en-US" sz="4000" spc="-185" dirty="0">
+              <a:latin typeface="+mj-ea"/>
+            </a:endParaRPr>
+          </a:p>
+        </p:txBody>
+      </p:sp>
+      <p:sp>
+        <p:nvSpPr>
+          <p:cNvPr id="13" name="제목 38"/>
+          <p:cNvSpPr txBox="1">
+            <a:spLocks/>
+          </p:cNvSpPr>
+          <p:nvPr/>
+        </p:nvSpPr>
+        <p:spPr>
+          <a:xfrm>
+            <a:off x="363552" y="1530068"/>
+            <a:ext cx="12192000" cy="4379894"/>
+          </a:xfrm>
+          <a:prstGeom prst="rect">
+            <a:avLst/>
+          </a:prstGeom>
+        </p:spPr>
+        <p:txBody>
+          <a:bodyPr vert="horz" lIns="112542" tIns="56271" rIns="112542" bIns="56271" rtlCol="0" anchor="t">
+            <a:noAutofit/>
+          </a:bodyPr>
+          <a:lstStyle>
+            <a:lvl1pPr algn="l" defTabSz="914400" rtl="0" eaLnBrk="1" latinLnBrk="1" hangingPunct="1">
+              <a:lnSpc>
+                <a:spcPct val="90000"/>
+              </a:lnSpc>
+              <a:spcBef>
+                <a:spcPct val="0"/>
+              </a:spcBef>
+              <a:buNone/>
+              <a:defRPr sz="4400" kern="1200">
+                <a:solidFill>
+                  <a:schemeClr val="tx1"/>
+                </a:solidFill>
+                <a:latin typeface="+mj-lt"/>
+                <a:ea typeface="+mj-ea"/>
+                <a:cs typeface="+mj-cs"/>
+              </a:defRPr>
+            </a:lvl1pPr>
+          </a:lstStyle>
+          <a:p>
+            <a:pPr>
+              <a:lnSpc>
+                <a:spcPct val="150000"/>
+              </a:lnSpc>
+              <a:defRPr/>
+            </a:pPr>
+            <a:r>
+              <a:rPr lang="en-US" altLang="ko-KR" sz="2100" spc="-185" dirty="0">
+                <a:latin typeface="+mn-ea"/>
+                <a:ea typeface="+mn-ea"/>
+              </a:rPr>
+              <a:t>3-3. </a:t>
+            </a:r>
+            <a:r>
+              <a:rPr lang="ko-KR" altLang="en-US" sz="2100" spc="-185" dirty="0">
+                <a:latin typeface="+mn-ea"/>
+                <a:ea typeface="+mn-ea"/>
+              </a:rPr>
+              <a:t>오류가 나온 이미지에 대해 왜 오류가 나왔는지 </a:t>
+            </a:r>
+            <a:endParaRPr lang="en-US" altLang="ko-KR" sz="2100" spc="-185" dirty="0">
+              <a:latin typeface="+mn-ea"/>
+              <a:ea typeface="+mn-ea"/>
+            </a:endParaRPr>
+          </a:p>
+          <a:p>
+            <a:pPr>
+              <a:lnSpc>
+                <a:spcPct val="150000"/>
+              </a:lnSpc>
+              <a:defRPr/>
+            </a:pPr>
+            <a:r>
+              <a:rPr lang="ko-KR" altLang="en-US" sz="2100" spc="-185" dirty="0">
+                <a:latin typeface="+mn-ea"/>
+                <a:ea typeface="+mn-ea"/>
+              </a:rPr>
+              <a:t>그동안 미션 수행에서 얻은 경험과 지식을</a:t>
+            </a:r>
+            <a:r>
+              <a:rPr lang="en-US" altLang="ko-KR" sz="2100" spc="-185" dirty="0">
+                <a:latin typeface="+mn-ea"/>
+                <a:ea typeface="+mn-ea"/>
+              </a:rPr>
+              <a:t> </a:t>
+            </a:r>
+            <a:r>
+              <a:rPr lang="ko-KR" altLang="en-US" sz="2100" spc="-185" dirty="0">
+                <a:latin typeface="+mn-ea"/>
+                <a:ea typeface="+mn-ea"/>
+              </a:rPr>
+              <a:t>통해 </a:t>
+            </a:r>
+            <a:r>
+              <a:rPr lang="ko-KR" altLang="en-US" sz="2100" spc="-185" dirty="0" err="1">
+                <a:latin typeface="+mn-ea"/>
+                <a:ea typeface="+mn-ea"/>
+              </a:rPr>
+              <a:t>설명하시오</a:t>
+            </a:r>
+            <a:r>
+              <a:rPr lang="en-US" altLang="ko-KR" sz="2100" spc="-185" dirty="0">
+                <a:latin typeface="+mn-ea"/>
+                <a:ea typeface="+mn-ea"/>
+              </a:rPr>
+              <a:t>.</a:t>
+            </a:r>
+            <a:endParaRPr lang="ko-KR" altLang="en-US" sz="2100" spc="-185" dirty="0">
+              <a:latin typeface="+mn-ea"/>
+              <a:ea typeface="+mn-ea"/>
+            </a:endParaRPr>
+          </a:p>
+        </p:txBody>
+      </p:sp>
+    </p:spTree>
+    <p:extLst>
+      <p:ext uri="{BB962C8B-B14F-4D97-AF65-F5344CB8AC3E}">
+        <p14:creationId xmlns:p14="http://schemas.microsoft.com/office/powerpoint/2010/main" val="1810387115"/>
+      </p:ext>
+    </p:extLst>
+  </p:cSld>
+  <p:clrMapOvr>
+    <a:masterClrMapping/>
+  </p:clrMapOvr>
+</p:sld>
+</file>
+
+<file path=ppt/slides/slide8.xml><?xml version="1.0" encoding="utf-8"?>
 <p:sld xmlns:a="http://schemas.openxmlformats.org/drawingml/2006/main" xmlns:r="http://schemas.openxmlformats.org/officeDocument/2006/relationships" xmlns:p="http://schemas.openxmlformats.org/presentationml/2006/main">
   <p:cSld>
     <p:spTree>
@@ -3599,1932 +5198,6 @@
   <p:clrMapOvr>
     <a:masterClrMapping/>
   </p:clrMapOvr>
-</p:sld>
-</file>
-
-<file path=ppt/slides/slide2.xml><?xml version="1.0" encoding="utf-8"?>
-<p:sld xmlns:a="http://schemas.openxmlformats.org/drawingml/2006/main" xmlns:r="http://schemas.openxmlformats.org/officeDocument/2006/relationships" xmlns:p="http://schemas.openxmlformats.org/presentationml/2006/main">
-  <p:cSld>
-    <p:spTree>
-      <p:nvGrpSpPr>
-        <p:cNvPr id="1" name=""/>
-        <p:cNvGrpSpPr/>
-        <p:nvPr/>
-      </p:nvGrpSpPr>
-      <p:grpSpPr>
-        <a:xfrm>
-          <a:off x="0" y="0"/>
-          <a:ext cx="0" cy="0"/>
-          <a:chOff x="0" y="0"/>
-          <a:chExt cx="0" cy="0"/>
-        </a:xfrm>
-      </p:grpSpPr>
-      <p:pic>
-        <p:nvPicPr>
-          <p:cNvPr id="2" name="그림 1"/>
-          <p:cNvPicPr>
-            <a:picLocks noChangeAspect="1"/>
-          </p:cNvPicPr>
-          <p:nvPr/>
-        </p:nvPicPr>
-        <p:blipFill>
-          <a:blip r:embed="rId2">
-            <a:extLst>
-              <a:ext uri="{28A0092B-C50C-407E-A947-70E740481C1C}">
-                <a14:useLocalDpi xmlns:a14="http://schemas.microsoft.com/office/drawing/2010/main" val="0"/>
-              </a:ext>
-            </a:extLst>
-          </a:blip>
-          <a:stretch>
-            <a:fillRect/>
-          </a:stretch>
-        </p:blipFill>
-        <p:spPr>
-          <a:xfrm>
-            <a:off x="0" y="0"/>
-            <a:ext cx="12192000" cy="6858000"/>
-          </a:xfrm>
-          <a:prstGeom prst="rect">
-            <a:avLst/>
-          </a:prstGeom>
-        </p:spPr>
-      </p:pic>
-      <p:sp>
-        <p:nvSpPr>
-          <p:cNvPr id="48" name="제목 38"/>
-          <p:cNvSpPr>
-            <a:spLocks noGrp="1"/>
-          </p:cNvSpPr>
-          <p:nvPr>
-            <p:ph type="title"/>
-          </p:nvPr>
-        </p:nvSpPr>
-        <p:spPr>
-          <a:xfrm>
-            <a:off x="363552" y="406401"/>
-            <a:ext cx="9862863" cy="856412"/>
-          </a:xfrm>
-        </p:spPr>
-        <p:txBody>
-          <a:bodyPr rtlCol="0">
-            <a:noAutofit/>
-          </a:bodyPr>
-          <a:lstStyle/>
-          <a:p>
-            <a:pPr>
-              <a:defRPr/>
-            </a:pPr>
-            <a:r>
-              <a:rPr lang="en-US" altLang="ko-KR" sz="4000" spc="-185" dirty="0" smtClean="0">
-                <a:latin typeface="+mj-ea"/>
-              </a:rPr>
-              <a:t>01. Mission 1</a:t>
-            </a:r>
-            <a:endParaRPr lang="ko-KR" altLang="en-US" sz="4000" spc="-185" dirty="0">
-              <a:latin typeface="+mj-ea"/>
-            </a:endParaRPr>
-          </a:p>
-        </p:txBody>
-      </p:sp>
-      <p:sp>
-        <p:nvSpPr>
-          <p:cNvPr id="13" name="제목 38"/>
-          <p:cNvSpPr txBox="1">
-            <a:spLocks/>
-          </p:cNvSpPr>
-          <p:nvPr/>
-        </p:nvSpPr>
-        <p:spPr>
-          <a:xfrm>
-            <a:off x="363552" y="1669214"/>
-            <a:ext cx="11393019" cy="4379894"/>
-          </a:xfrm>
-          <a:prstGeom prst="rect">
-            <a:avLst/>
-          </a:prstGeom>
-        </p:spPr>
-        <p:txBody>
-          <a:bodyPr vert="horz" lIns="112542" tIns="56271" rIns="112542" bIns="56271" rtlCol="0" anchor="t">
-            <a:noAutofit/>
-          </a:bodyPr>
-          <a:lstStyle>
-            <a:lvl1pPr algn="l" defTabSz="914400" rtl="0" eaLnBrk="1" latinLnBrk="1" hangingPunct="1">
-              <a:lnSpc>
-                <a:spcPct val="90000"/>
-              </a:lnSpc>
-              <a:spcBef>
-                <a:spcPct val="0"/>
-              </a:spcBef>
-              <a:buNone/>
-              <a:defRPr sz="4400" kern="1200">
-                <a:solidFill>
-                  <a:schemeClr val="tx1"/>
-                </a:solidFill>
-                <a:latin typeface="+mj-lt"/>
-                <a:ea typeface="+mj-ea"/>
-                <a:cs typeface="+mj-cs"/>
-              </a:defRPr>
-            </a:lvl1pPr>
-          </a:lstStyle>
-          <a:p>
-            <a:pPr algn="just">
-              <a:lnSpc>
-                <a:spcPct val="120000"/>
-              </a:lnSpc>
-              <a:defRPr/>
-            </a:pPr>
-            <a:r>
-              <a:rPr lang="en-US" altLang="ko-KR" sz="2100" spc="-150" dirty="0" smtClean="0">
-                <a:latin typeface="+mn-ea"/>
-                <a:ea typeface="+mn-ea"/>
-              </a:rPr>
-              <a:t>1-1. </a:t>
-            </a:r>
-            <a:r>
-              <a:rPr lang="en-US" altLang="ko-KR" sz="2100" spc="-150" dirty="0" smtClean="0">
-                <a:latin typeface="+mn-ea"/>
-                <a:ea typeface="+mn-ea"/>
-              </a:rPr>
-              <a:t>Training </a:t>
-            </a:r>
-            <a:r>
-              <a:rPr lang="ko-KR" altLang="en-US" sz="2100" spc="-150" dirty="0" smtClean="0">
-                <a:latin typeface="+mn-ea"/>
-                <a:ea typeface="+mn-ea"/>
-              </a:rPr>
-              <a:t>데이터 셋의 데이터를 살펴보고 라벨 종류는 무엇이 있고</a:t>
-            </a:r>
-            <a:r>
-              <a:rPr lang="en-US" altLang="ko-KR" sz="2100" spc="-150" dirty="0" smtClean="0">
-                <a:latin typeface="+mn-ea"/>
-                <a:ea typeface="+mn-ea"/>
-              </a:rPr>
-              <a:t>, </a:t>
-            </a:r>
-            <a:r>
-              <a:rPr lang="ko-KR" altLang="en-US" sz="2100" spc="-150" dirty="0" smtClean="0">
-                <a:latin typeface="+mn-ea"/>
-                <a:ea typeface="+mn-ea"/>
-              </a:rPr>
-              <a:t>각 라벨의 개수를 구하시오</a:t>
-            </a:r>
-            <a:r>
-              <a:rPr lang="en-US" altLang="ko-KR" sz="2100" spc="-150" dirty="0" smtClean="0">
-                <a:latin typeface="+mn-ea"/>
-                <a:ea typeface="+mn-ea"/>
-              </a:rPr>
-              <a:t>.</a:t>
-            </a:r>
-          </a:p>
-          <a:p>
-            <a:pPr algn="just">
-              <a:lnSpc>
-                <a:spcPct val="120000"/>
-              </a:lnSpc>
-              <a:defRPr/>
-            </a:pPr>
-            <a:endParaRPr lang="en-US" altLang="ko-KR" sz="2100" dirty="0" smtClean="0">
-              <a:latin typeface="+mn-ea"/>
-              <a:ea typeface="+mn-ea"/>
-            </a:endParaRPr>
-          </a:p>
-          <a:p>
-            <a:pPr algn="just">
-              <a:lnSpc>
-                <a:spcPct val="120000"/>
-              </a:lnSpc>
-              <a:defRPr/>
-            </a:pPr>
-            <a:r>
-              <a:rPr lang="en-US" altLang="ko-KR" sz="2100" dirty="0" smtClean="0">
-                <a:latin typeface="+mn-ea"/>
-                <a:ea typeface="+mn-ea"/>
-              </a:rPr>
-              <a:t>Answer:</a:t>
-            </a:r>
-            <a:endParaRPr lang="en-US" altLang="ko-KR" sz="2100" dirty="0">
-              <a:latin typeface="+mn-ea"/>
-              <a:ea typeface="+mn-ea"/>
-            </a:endParaRPr>
-          </a:p>
-          <a:p>
-            <a:pPr algn="just">
-              <a:lnSpc>
-                <a:spcPct val="120000"/>
-              </a:lnSpc>
-              <a:defRPr/>
-            </a:pPr>
-            <a:r>
-              <a:rPr lang="ko-KR" altLang="en-US" sz="2100" dirty="0" smtClean="0">
-                <a:latin typeface="+mn-ea"/>
-                <a:ea typeface="+mn-ea"/>
-              </a:rPr>
-              <a:t>라벨 종류는 </a:t>
-            </a:r>
-            <a:r>
-              <a:rPr lang="en-US" altLang="ko-KR" sz="2100" dirty="0" err="1" smtClean="0">
-                <a:latin typeface="+mn-ea"/>
-                <a:ea typeface="+mn-ea"/>
-              </a:rPr>
-              <a:t>cap_and_hat</a:t>
-            </a:r>
-            <a:r>
-              <a:rPr lang="en-US" altLang="ko-KR" sz="2100" dirty="0" smtClean="0">
-                <a:latin typeface="+mn-ea"/>
-                <a:ea typeface="+mn-ea"/>
-              </a:rPr>
-              <a:t>, outerwear, tops, bottoms, shoes</a:t>
-            </a:r>
-            <a:r>
-              <a:rPr lang="ko-KR" altLang="en-US" sz="2100" dirty="0" smtClean="0">
-                <a:latin typeface="+mn-ea"/>
-                <a:ea typeface="+mn-ea"/>
-              </a:rPr>
-              <a:t>로 총 </a:t>
-            </a:r>
-            <a:r>
-              <a:rPr lang="en-US" altLang="ko-KR" sz="2100" dirty="0" smtClean="0">
-                <a:latin typeface="+mn-ea"/>
-                <a:ea typeface="+mn-ea"/>
-              </a:rPr>
-              <a:t>5</a:t>
-            </a:r>
-            <a:r>
-              <a:rPr lang="ko-KR" altLang="en-US" sz="2100" dirty="0" smtClean="0">
-                <a:latin typeface="+mn-ea"/>
-                <a:ea typeface="+mn-ea"/>
-              </a:rPr>
-              <a:t>개이고</a:t>
-            </a:r>
-            <a:r>
-              <a:rPr lang="en-US" altLang="ko-KR" sz="2100" dirty="0" smtClean="0">
-                <a:latin typeface="+mn-ea"/>
-                <a:ea typeface="+mn-ea"/>
-              </a:rPr>
-              <a:t>, </a:t>
-            </a:r>
-          </a:p>
-          <a:p>
-            <a:pPr algn="just">
-              <a:lnSpc>
-                <a:spcPct val="120000"/>
-              </a:lnSpc>
-              <a:defRPr/>
-            </a:pPr>
-            <a:r>
-              <a:rPr lang="ko-KR" altLang="en-US" sz="2100" dirty="0" smtClean="0">
-                <a:latin typeface="+mn-ea"/>
-                <a:ea typeface="+mn-ea"/>
-              </a:rPr>
-              <a:t>라벨의 개수는 다음과 같다</a:t>
-            </a:r>
-            <a:r>
-              <a:rPr lang="en-US" altLang="ko-KR" sz="2100" dirty="0" smtClean="0">
-                <a:latin typeface="+mn-ea"/>
-                <a:ea typeface="+mn-ea"/>
-              </a:rPr>
-              <a:t>.</a:t>
-            </a:r>
-          </a:p>
-          <a:p>
-            <a:pPr algn="just">
-              <a:lnSpc>
-                <a:spcPct val="120000"/>
-              </a:lnSpc>
-              <a:defRPr/>
-            </a:pPr>
-            <a:endParaRPr lang="en-US" altLang="ko-KR" sz="2100" dirty="0" smtClean="0">
-              <a:latin typeface="+mn-ea"/>
-              <a:ea typeface="+mn-ea"/>
-            </a:endParaRPr>
-          </a:p>
-          <a:p>
-            <a:pPr algn="just">
-              <a:lnSpc>
-                <a:spcPct val="120000"/>
-              </a:lnSpc>
-              <a:defRPr/>
-            </a:pPr>
-            <a:r>
-              <a:rPr lang="en-US" altLang="ko-KR" sz="2100" dirty="0" err="1" smtClean="0">
-                <a:latin typeface="+mn-ea"/>
-                <a:ea typeface="+mn-ea"/>
-              </a:rPr>
-              <a:t>cap_and_hat</a:t>
-            </a:r>
-            <a:r>
-              <a:rPr lang="en-US" altLang="ko-KR" sz="2100" dirty="0">
-                <a:latin typeface="+mn-ea"/>
-                <a:ea typeface="+mn-ea"/>
-              </a:rPr>
-              <a:t>:</a:t>
-            </a:r>
-            <a:r>
-              <a:rPr lang="ko-KR" altLang="en-US" sz="2100" dirty="0" smtClean="0">
-                <a:latin typeface="+mn-ea"/>
-                <a:ea typeface="+mn-ea"/>
-              </a:rPr>
-              <a:t> </a:t>
-            </a:r>
-            <a:r>
-              <a:rPr lang="en-US" altLang="ko-KR" sz="2100" dirty="0" smtClean="0">
-                <a:latin typeface="+mn-ea"/>
-                <a:ea typeface="+mn-ea"/>
-              </a:rPr>
-              <a:t>196</a:t>
-            </a:r>
-            <a:r>
-              <a:rPr lang="ko-KR" altLang="en-US" sz="2100" dirty="0" smtClean="0">
-                <a:latin typeface="+mn-ea"/>
-                <a:ea typeface="+mn-ea"/>
-              </a:rPr>
-              <a:t>개</a:t>
-            </a:r>
-            <a:r>
-              <a:rPr lang="en-US" altLang="ko-KR" sz="2100" dirty="0" smtClean="0">
-                <a:latin typeface="+mn-ea"/>
-                <a:ea typeface="+mn-ea"/>
-              </a:rPr>
-              <a:t>, </a:t>
-            </a:r>
-          </a:p>
-          <a:p>
-            <a:pPr algn="just">
-              <a:lnSpc>
-                <a:spcPct val="120000"/>
-              </a:lnSpc>
-              <a:defRPr/>
-            </a:pPr>
-            <a:r>
-              <a:rPr lang="en-US" altLang="ko-KR" sz="2100" dirty="0">
-                <a:latin typeface="+mn-ea"/>
-                <a:ea typeface="+mn-ea"/>
-              </a:rPr>
-              <a:t>o</a:t>
-            </a:r>
-            <a:r>
-              <a:rPr lang="en-US" altLang="ko-KR" sz="2100" dirty="0" smtClean="0">
-                <a:latin typeface="+mn-ea"/>
-                <a:ea typeface="+mn-ea"/>
-              </a:rPr>
-              <a:t>uterwear: 4606</a:t>
-            </a:r>
-            <a:r>
-              <a:rPr lang="ko-KR" altLang="en-US" sz="2100" dirty="0" smtClean="0">
-                <a:latin typeface="+mn-ea"/>
-                <a:ea typeface="+mn-ea"/>
-              </a:rPr>
-              <a:t>개</a:t>
-            </a:r>
-            <a:r>
-              <a:rPr lang="en-US" altLang="ko-KR" sz="2100" dirty="0" smtClean="0">
-                <a:latin typeface="+mn-ea"/>
-                <a:ea typeface="+mn-ea"/>
-              </a:rPr>
-              <a:t>, </a:t>
-            </a:r>
-          </a:p>
-          <a:p>
-            <a:pPr algn="just">
-              <a:lnSpc>
-                <a:spcPct val="120000"/>
-              </a:lnSpc>
-              <a:defRPr/>
-            </a:pPr>
-            <a:r>
-              <a:rPr lang="en-US" altLang="ko-KR" sz="2100" dirty="0">
-                <a:latin typeface="+mn-ea"/>
-                <a:ea typeface="+mn-ea"/>
-              </a:rPr>
-              <a:t>t</a:t>
-            </a:r>
-            <a:r>
-              <a:rPr lang="en-US" altLang="ko-KR" sz="2100" dirty="0" smtClean="0">
-                <a:latin typeface="+mn-ea"/>
-                <a:ea typeface="+mn-ea"/>
-              </a:rPr>
-              <a:t>ops: 18350</a:t>
-            </a:r>
-            <a:r>
-              <a:rPr lang="ko-KR" altLang="en-US" sz="2100" dirty="0" smtClean="0">
-                <a:latin typeface="+mn-ea"/>
-                <a:ea typeface="+mn-ea"/>
-              </a:rPr>
-              <a:t>개</a:t>
-            </a:r>
-            <a:r>
-              <a:rPr lang="en-US" altLang="ko-KR" sz="2100" dirty="0" smtClean="0">
-                <a:latin typeface="+mn-ea"/>
-                <a:ea typeface="+mn-ea"/>
-              </a:rPr>
-              <a:t>, </a:t>
-            </a:r>
-          </a:p>
-          <a:p>
-            <a:pPr algn="just">
-              <a:lnSpc>
-                <a:spcPct val="120000"/>
-              </a:lnSpc>
-              <a:defRPr/>
-            </a:pPr>
-            <a:r>
-              <a:rPr lang="en-US" altLang="ko-KR" sz="2100" dirty="0">
-                <a:latin typeface="+mn-ea"/>
-                <a:ea typeface="+mn-ea"/>
-              </a:rPr>
-              <a:t>b</a:t>
-            </a:r>
-            <a:r>
-              <a:rPr lang="en-US" altLang="ko-KR" sz="2100" dirty="0" smtClean="0">
-                <a:latin typeface="+mn-ea"/>
-                <a:ea typeface="+mn-ea"/>
-              </a:rPr>
-              <a:t>ottoms: 6424</a:t>
-            </a:r>
-            <a:r>
-              <a:rPr lang="ko-KR" altLang="en-US" sz="2100" dirty="0" smtClean="0">
-                <a:latin typeface="+mn-ea"/>
-                <a:ea typeface="+mn-ea"/>
-              </a:rPr>
-              <a:t>개</a:t>
-            </a:r>
-            <a:r>
-              <a:rPr lang="en-US" altLang="ko-KR" sz="2100" dirty="0" smtClean="0">
-                <a:latin typeface="+mn-ea"/>
-                <a:ea typeface="+mn-ea"/>
-              </a:rPr>
-              <a:t>, </a:t>
-            </a:r>
-          </a:p>
-          <a:p>
-            <a:pPr algn="just">
-              <a:lnSpc>
-                <a:spcPct val="120000"/>
-              </a:lnSpc>
-              <a:defRPr/>
-            </a:pPr>
-            <a:r>
-              <a:rPr lang="en-US" altLang="ko-KR" sz="2100" dirty="0">
-                <a:latin typeface="+mn-ea"/>
-                <a:ea typeface="+mn-ea"/>
-              </a:rPr>
-              <a:t>s</a:t>
-            </a:r>
-            <a:r>
-              <a:rPr lang="en-US" altLang="ko-KR" sz="2100" dirty="0" smtClean="0">
-                <a:latin typeface="+mn-ea"/>
-                <a:ea typeface="+mn-ea"/>
-              </a:rPr>
-              <a:t>hoes: 424</a:t>
-            </a:r>
-            <a:r>
-              <a:rPr lang="ko-KR" altLang="en-US" sz="2100" dirty="0" smtClean="0">
-                <a:latin typeface="+mn-ea"/>
-                <a:ea typeface="+mn-ea"/>
-              </a:rPr>
-              <a:t>개</a:t>
-            </a:r>
-            <a:endParaRPr lang="ko-KR" altLang="en-US" sz="2100" dirty="0">
-              <a:latin typeface="+mn-ea"/>
-              <a:ea typeface="+mn-ea"/>
-            </a:endParaRPr>
-          </a:p>
-        </p:txBody>
-      </p:sp>
-    </p:spTree>
-    <p:extLst>
-      <p:ext uri="{BB962C8B-B14F-4D97-AF65-F5344CB8AC3E}">
-        <p14:creationId xmlns:p14="http://schemas.microsoft.com/office/powerpoint/2010/main" val="3493554566"/>
-      </p:ext>
-    </p:extLst>
-  </p:cSld>
-  <p:clrMapOvr>
-    <a:masterClrMapping/>
-  </p:clrMapOvr>
-  <p:timing>
-    <p:tnLst>
-      <p:par>
-        <p:cTn id="1" dur="indefinite" restart="never" nodeType="tmRoot"/>
-      </p:par>
-    </p:tnLst>
-  </p:timing>
-</p:sld>
-</file>
-
-<file path=ppt/slides/slide3.xml><?xml version="1.0" encoding="utf-8"?>
-<p:sld xmlns:a="http://schemas.openxmlformats.org/drawingml/2006/main" xmlns:r="http://schemas.openxmlformats.org/officeDocument/2006/relationships" xmlns:p="http://schemas.openxmlformats.org/presentationml/2006/main">
-  <p:cSld>
-    <p:spTree>
-      <p:nvGrpSpPr>
-        <p:cNvPr id="1" name=""/>
-        <p:cNvGrpSpPr/>
-        <p:nvPr/>
-      </p:nvGrpSpPr>
-      <p:grpSpPr>
-        <a:xfrm>
-          <a:off x="0" y="0"/>
-          <a:ext cx="0" cy="0"/>
-          <a:chOff x="0" y="0"/>
-          <a:chExt cx="0" cy="0"/>
-        </a:xfrm>
-      </p:grpSpPr>
-      <p:pic>
-        <p:nvPicPr>
-          <p:cNvPr id="2" name="그림 1"/>
-          <p:cNvPicPr>
-            <a:picLocks noChangeAspect="1"/>
-          </p:cNvPicPr>
-          <p:nvPr/>
-        </p:nvPicPr>
-        <p:blipFill>
-          <a:blip r:embed="rId2">
-            <a:extLst>
-              <a:ext uri="{28A0092B-C50C-407E-A947-70E740481C1C}">
-                <a14:useLocalDpi xmlns:a14="http://schemas.microsoft.com/office/drawing/2010/main" val="0"/>
-              </a:ext>
-            </a:extLst>
-          </a:blip>
-          <a:stretch>
-            <a:fillRect/>
-          </a:stretch>
-        </p:blipFill>
-        <p:spPr>
-          <a:xfrm>
-            <a:off x="0" y="0"/>
-            <a:ext cx="12192000" cy="6858000"/>
-          </a:xfrm>
-          <a:prstGeom prst="rect">
-            <a:avLst/>
-          </a:prstGeom>
-        </p:spPr>
-      </p:pic>
-      <p:sp>
-        <p:nvSpPr>
-          <p:cNvPr id="48" name="제목 38"/>
-          <p:cNvSpPr>
-            <a:spLocks noGrp="1"/>
-          </p:cNvSpPr>
-          <p:nvPr>
-            <p:ph type="title"/>
-          </p:nvPr>
-        </p:nvSpPr>
-        <p:spPr>
-          <a:xfrm>
-            <a:off x="363552" y="406401"/>
-            <a:ext cx="9862863" cy="856412"/>
-          </a:xfrm>
-        </p:spPr>
-        <p:txBody>
-          <a:bodyPr rtlCol="0">
-            <a:noAutofit/>
-          </a:bodyPr>
-          <a:lstStyle/>
-          <a:p>
-            <a:pPr>
-              <a:defRPr/>
-            </a:pPr>
-            <a:r>
-              <a:rPr lang="en-US" altLang="ko-KR" sz="4000" spc="-185" dirty="0" smtClean="0">
-                <a:latin typeface="+mj-ea"/>
-              </a:rPr>
-              <a:t>02</a:t>
-            </a:r>
-            <a:r>
-              <a:rPr lang="en-US" altLang="ko-KR" sz="4000" spc="-185" dirty="0">
-                <a:latin typeface="+mj-ea"/>
-              </a:rPr>
-              <a:t>. Mission 2</a:t>
-            </a:r>
-            <a:endParaRPr lang="ko-KR" altLang="en-US" sz="4000" spc="-185" dirty="0">
-              <a:latin typeface="+mj-ea"/>
-            </a:endParaRPr>
-          </a:p>
-        </p:txBody>
-      </p:sp>
-      <p:sp>
-        <p:nvSpPr>
-          <p:cNvPr id="13" name="제목 38"/>
-          <p:cNvSpPr txBox="1">
-            <a:spLocks/>
-          </p:cNvSpPr>
-          <p:nvPr/>
-        </p:nvSpPr>
-        <p:spPr>
-          <a:xfrm>
-            <a:off x="363552" y="1669214"/>
-            <a:ext cx="11393019" cy="4379894"/>
-          </a:xfrm>
-          <a:prstGeom prst="rect">
-            <a:avLst/>
-          </a:prstGeom>
-        </p:spPr>
-        <p:txBody>
-          <a:bodyPr vert="horz" lIns="112542" tIns="56271" rIns="112542" bIns="56271" rtlCol="0" anchor="t">
-            <a:noAutofit/>
-          </a:bodyPr>
-          <a:lstStyle>
-            <a:lvl1pPr algn="l" defTabSz="914400" rtl="0" eaLnBrk="1" latinLnBrk="1" hangingPunct="1">
-              <a:lnSpc>
-                <a:spcPct val="90000"/>
-              </a:lnSpc>
-              <a:spcBef>
-                <a:spcPct val="0"/>
-              </a:spcBef>
-              <a:buNone/>
-              <a:defRPr sz="4400" kern="1200">
-                <a:solidFill>
-                  <a:schemeClr val="tx1"/>
-                </a:solidFill>
-                <a:latin typeface="+mj-lt"/>
-                <a:ea typeface="+mj-ea"/>
-                <a:cs typeface="+mj-cs"/>
-              </a:defRPr>
-            </a:lvl1pPr>
-          </a:lstStyle>
-          <a:p>
-            <a:pPr>
-              <a:defRPr/>
-            </a:pPr>
-            <a:r>
-              <a:rPr lang="en-US" altLang="ko-KR" sz="2100" spc="-185" dirty="0" smtClean="0">
-                <a:latin typeface="+mn-ea"/>
-                <a:ea typeface="+mn-ea"/>
-              </a:rPr>
-              <a:t>2-1. </a:t>
-            </a:r>
-            <a:r>
-              <a:rPr lang="ko-KR" altLang="en-US" sz="2100" spc="-185" dirty="0" smtClean="0">
-                <a:latin typeface="+mn-ea"/>
-                <a:ea typeface="+mn-ea"/>
-              </a:rPr>
-              <a:t>이미지 크기를 적절히 조절하거나</a:t>
-            </a:r>
-            <a:r>
-              <a:rPr lang="en-US" altLang="ko-KR" sz="2100" spc="-185" dirty="0" smtClean="0">
-                <a:latin typeface="+mn-ea"/>
-                <a:ea typeface="+mn-ea"/>
-              </a:rPr>
-              <a:t>, </a:t>
-            </a:r>
-            <a:r>
-              <a:rPr lang="ko-KR" altLang="en-US" sz="2100" spc="-185" dirty="0" smtClean="0">
-                <a:latin typeface="+mn-ea"/>
-                <a:ea typeface="+mn-ea"/>
-              </a:rPr>
-              <a:t>해상도를 조절하여 학습 데이터 셋을 </a:t>
-            </a:r>
-            <a:r>
-              <a:rPr lang="ko-KR" altLang="en-US" sz="2100" spc="-185" dirty="0" err="1" smtClean="0">
-                <a:latin typeface="+mn-ea"/>
-                <a:ea typeface="+mn-ea"/>
-              </a:rPr>
-              <a:t>구축하시오</a:t>
-            </a:r>
-            <a:r>
-              <a:rPr lang="en-US" altLang="ko-KR" sz="2100" spc="-185" dirty="0" smtClean="0">
-                <a:latin typeface="+mn-ea"/>
-                <a:ea typeface="+mn-ea"/>
-              </a:rPr>
-              <a:t>.</a:t>
-            </a:r>
-          </a:p>
-        </p:txBody>
-      </p:sp>
-    </p:spTree>
-    <p:extLst>
-      <p:ext uri="{BB962C8B-B14F-4D97-AF65-F5344CB8AC3E}">
-        <p14:creationId xmlns:p14="http://schemas.microsoft.com/office/powerpoint/2010/main" val="3434640500"/>
-      </p:ext>
-    </p:extLst>
-  </p:cSld>
-  <p:clrMapOvr>
-    <a:masterClrMapping/>
-  </p:clrMapOvr>
-  <p:timing>
-    <p:tnLst>
-      <p:par>
-        <p:cTn id="1" dur="indefinite" restart="never" nodeType="tmRoot"/>
-      </p:par>
-    </p:tnLst>
-  </p:timing>
-</p:sld>
-</file>
-
-<file path=ppt/slides/slide4.xml><?xml version="1.0" encoding="utf-8"?>
-<p:sld xmlns:a="http://schemas.openxmlformats.org/drawingml/2006/main" xmlns:r="http://schemas.openxmlformats.org/officeDocument/2006/relationships" xmlns:p="http://schemas.openxmlformats.org/presentationml/2006/main">
-  <p:cSld>
-    <p:spTree>
-      <p:nvGrpSpPr>
-        <p:cNvPr id="1" name=""/>
-        <p:cNvGrpSpPr/>
-        <p:nvPr/>
-      </p:nvGrpSpPr>
-      <p:grpSpPr>
-        <a:xfrm>
-          <a:off x="0" y="0"/>
-          <a:ext cx="0" cy="0"/>
-          <a:chOff x="0" y="0"/>
-          <a:chExt cx="0" cy="0"/>
-        </a:xfrm>
-      </p:grpSpPr>
-      <p:pic>
-        <p:nvPicPr>
-          <p:cNvPr id="2" name="그림 1"/>
-          <p:cNvPicPr>
-            <a:picLocks noChangeAspect="1"/>
-          </p:cNvPicPr>
-          <p:nvPr/>
-        </p:nvPicPr>
-        <p:blipFill>
-          <a:blip r:embed="rId2">
-            <a:extLst>
-              <a:ext uri="{28A0092B-C50C-407E-A947-70E740481C1C}">
-                <a14:useLocalDpi xmlns:a14="http://schemas.microsoft.com/office/drawing/2010/main" val="0"/>
-              </a:ext>
-            </a:extLst>
-          </a:blip>
-          <a:stretch>
-            <a:fillRect/>
-          </a:stretch>
-        </p:blipFill>
-        <p:spPr>
-          <a:xfrm>
-            <a:off x="0" y="0"/>
-            <a:ext cx="12192000" cy="6858000"/>
-          </a:xfrm>
-          <a:prstGeom prst="rect">
-            <a:avLst/>
-          </a:prstGeom>
-        </p:spPr>
-      </p:pic>
-      <p:sp>
-        <p:nvSpPr>
-          <p:cNvPr id="48" name="제목 38"/>
-          <p:cNvSpPr>
-            <a:spLocks noGrp="1"/>
-          </p:cNvSpPr>
-          <p:nvPr>
-            <p:ph type="title"/>
-          </p:nvPr>
-        </p:nvSpPr>
-        <p:spPr>
-          <a:xfrm>
-            <a:off x="363552" y="406401"/>
-            <a:ext cx="9862863" cy="856412"/>
-          </a:xfrm>
-        </p:spPr>
-        <p:txBody>
-          <a:bodyPr rtlCol="0">
-            <a:noAutofit/>
-          </a:bodyPr>
-          <a:lstStyle/>
-          <a:p>
-            <a:pPr>
-              <a:defRPr/>
-            </a:pPr>
-            <a:r>
-              <a:rPr lang="en-US" altLang="ko-KR" sz="4000" spc="-185" dirty="0" smtClean="0">
-                <a:latin typeface="+mj-ea"/>
-              </a:rPr>
-              <a:t>02</a:t>
-            </a:r>
-            <a:r>
-              <a:rPr lang="en-US" altLang="ko-KR" sz="4000" spc="-185" dirty="0">
-                <a:latin typeface="+mj-ea"/>
-              </a:rPr>
-              <a:t>. Mission 2</a:t>
-            </a:r>
-            <a:endParaRPr lang="ko-KR" altLang="en-US" sz="4000" spc="-185" dirty="0">
-              <a:latin typeface="+mj-ea"/>
-            </a:endParaRPr>
-          </a:p>
-        </p:txBody>
-      </p:sp>
-      <p:sp>
-        <p:nvSpPr>
-          <p:cNvPr id="13" name="제목 38"/>
-          <p:cNvSpPr txBox="1">
-            <a:spLocks/>
-          </p:cNvSpPr>
-          <p:nvPr/>
-        </p:nvSpPr>
-        <p:spPr>
-          <a:xfrm>
-            <a:off x="363552" y="1669214"/>
-            <a:ext cx="11393019" cy="4379894"/>
-          </a:xfrm>
-          <a:prstGeom prst="rect">
-            <a:avLst/>
-          </a:prstGeom>
-        </p:spPr>
-        <p:txBody>
-          <a:bodyPr vert="horz" lIns="112542" tIns="56271" rIns="112542" bIns="56271" rtlCol="0" anchor="t">
-            <a:noAutofit/>
-          </a:bodyPr>
-          <a:lstStyle>
-            <a:lvl1pPr algn="l" defTabSz="914400" rtl="0" eaLnBrk="1" latinLnBrk="1" hangingPunct="1">
-              <a:lnSpc>
-                <a:spcPct val="90000"/>
-              </a:lnSpc>
-              <a:spcBef>
-                <a:spcPct val="0"/>
-              </a:spcBef>
-              <a:buNone/>
-              <a:defRPr sz="4400" kern="1200">
-                <a:solidFill>
-                  <a:schemeClr val="tx1"/>
-                </a:solidFill>
-                <a:latin typeface="+mj-lt"/>
-                <a:ea typeface="+mj-ea"/>
-                <a:cs typeface="+mj-cs"/>
-              </a:defRPr>
-            </a:lvl1pPr>
-          </a:lstStyle>
-          <a:p>
-            <a:pPr>
-              <a:defRPr/>
-            </a:pPr>
-            <a:r>
-              <a:rPr lang="ko-KR" altLang="en-US" sz="2100" spc="-185" dirty="0">
-                <a:latin typeface="+mn-ea"/>
-                <a:ea typeface="+mn-ea"/>
-              </a:rPr>
-              <a:t>내용 폰트입니다</a:t>
-            </a:r>
-            <a:r>
-              <a:rPr lang="en-US" altLang="ko-KR" sz="2100" spc="-185" dirty="0">
-                <a:latin typeface="+mn-ea"/>
-                <a:ea typeface="+mn-ea"/>
-              </a:rPr>
-              <a:t>. (</a:t>
-            </a:r>
-            <a:r>
-              <a:rPr lang="ko-KR" altLang="en-US" sz="2100" spc="-185" dirty="0" err="1">
-                <a:latin typeface="+mn-ea"/>
-                <a:ea typeface="+mn-ea"/>
-              </a:rPr>
-              <a:t>맑은고딕</a:t>
-            </a:r>
-            <a:r>
-              <a:rPr lang="ko-KR" altLang="en-US" sz="2100" spc="-185" dirty="0">
-                <a:latin typeface="+mn-ea"/>
-                <a:ea typeface="+mn-ea"/>
-              </a:rPr>
-              <a:t> </a:t>
-            </a:r>
-            <a:r>
-              <a:rPr lang="en-US" altLang="ko-KR" sz="2100" spc="-185" dirty="0" smtClean="0">
-                <a:latin typeface="+mn-ea"/>
-                <a:ea typeface="+mn-ea"/>
-              </a:rPr>
-              <a:t>21pt</a:t>
-            </a:r>
-            <a:r>
-              <a:rPr lang="en-US" altLang="ko-KR" sz="2100" spc="-185" dirty="0">
-                <a:latin typeface="+mn-ea"/>
-                <a:ea typeface="+mn-ea"/>
-              </a:rPr>
-              <a:t>)</a:t>
-            </a:r>
-            <a:endParaRPr lang="ko-KR" altLang="en-US" sz="2100" spc="-185" dirty="0">
-              <a:latin typeface="+mn-ea"/>
-              <a:ea typeface="+mn-ea"/>
-            </a:endParaRPr>
-          </a:p>
-        </p:txBody>
-      </p:sp>
-    </p:spTree>
-    <p:extLst>
-      <p:ext uri="{BB962C8B-B14F-4D97-AF65-F5344CB8AC3E}">
-        <p14:creationId xmlns:p14="http://schemas.microsoft.com/office/powerpoint/2010/main" val="1767740456"/>
-      </p:ext>
-    </p:extLst>
-  </p:cSld>
-  <p:clrMapOvr>
-    <a:masterClrMapping/>
-  </p:clrMapOvr>
-  <p:timing>
-    <p:tnLst>
-      <p:par>
-        <p:cTn id="1" dur="indefinite" restart="never" nodeType="tmRoot"/>
-      </p:par>
-    </p:tnLst>
-  </p:timing>
-</p:sld>
-</file>
-
-<file path=ppt/slides/slide5.xml><?xml version="1.0" encoding="utf-8"?>
-<p:sld xmlns:a="http://schemas.openxmlformats.org/drawingml/2006/main" xmlns:r="http://schemas.openxmlformats.org/officeDocument/2006/relationships" xmlns:p="http://schemas.openxmlformats.org/presentationml/2006/main">
-  <p:cSld>
-    <p:spTree>
-      <p:nvGrpSpPr>
-        <p:cNvPr id="1" name=""/>
-        <p:cNvGrpSpPr/>
-        <p:nvPr/>
-      </p:nvGrpSpPr>
-      <p:grpSpPr>
-        <a:xfrm>
-          <a:off x="0" y="0"/>
-          <a:ext cx="0" cy="0"/>
-          <a:chOff x="0" y="0"/>
-          <a:chExt cx="0" cy="0"/>
-        </a:xfrm>
-      </p:grpSpPr>
-      <p:pic>
-        <p:nvPicPr>
-          <p:cNvPr id="2" name="그림 1"/>
-          <p:cNvPicPr>
-            <a:picLocks noChangeAspect="1"/>
-          </p:cNvPicPr>
-          <p:nvPr/>
-        </p:nvPicPr>
-        <p:blipFill>
-          <a:blip r:embed="rId2">
-            <a:extLst>
-              <a:ext uri="{28A0092B-C50C-407E-A947-70E740481C1C}">
-                <a14:useLocalDpi xmlns:a14="http://schemas.microsoft.com/office/drawing/2010/main" val="0"/>
-              </a:ext>
-            </a:extLst>
-          </a:blip>
-          <a:stretch>
-            <a:fillRect/>
-          </a:stretch>
-        </p:blipFill>
-        <p:spPr>
-          <a:xfrm>
-            <a:off x="0" y="0"/>
-            <a:ext cx="12192000" cy="6858000"/>
-          </a:xfrm>
-          <a:prstGeom prst="rect">
-            <a:avLst/>
-          </a:prstGeom>
-        </p:spPr>
-      </p:pic>
-      <p:sp>
-        <p:nvSpPr>
-          <p:cNvPr id="48" name="제목 38"/>
-          <p:cNvSpPr>
-            <a:spLocks noGrp="1"/>
-          </p:cNvSpPr>
-          <p:nvPr>
-            <p:ph type="title"/>
-          </p:nvPr>
-        </p:nvSpPr>
-        <p:spPr>
-          <a:xfrm>
-            <a:off x="363552" y="406401"/>
-            <a:ext cx="9862863" cy="856412"/>
-          </a:xfrm>
-        </p:spPr>
-        <p:txBody>
-          <a:bodyPr rtlCol="0">
-            <a:noAutofit/>
-          </a:bodyPr>
-          <a:lstStyle/>
-          <a:p>
-            <a:pPr>
-              <a:defRPr/>
-            </a:pPr>
-            <a:r>
-              <a:rPr lang="en-US" altLang="ko-KR" sz="4000" spc="-185" dirty="0" smtClean="0">
-                <a:latin typeface="+mj-ea"/>
-              </a:rPr>
-              <a:t>02</a:t>
-            </a:r>
-            <a:r>
-              <a:rPr lang="en-US" altLang="ko-KR" sz="4000" spc="-185" dirty="0">
-                <a:latin typeface="+mj-ea"/>
-              </a:rPr>
-              <a:t>. Mission 2</a:t>
-            </a:r>
-            <a:endParaRPr lang="ko-KR" altLang="en-US" sz="4000" spc="-185" dirty="0">
-              <a:latin typeface="+mj-ea"/>
-            </a:endParaRPr>
-          </a:p>
-        </p:txBody>
-      </p:sp>
-      <p:sp>
-        <p:nvSpPr>
-          <p:cNvPr id="13" name="제목 38"/>
-          <p:cNvSpPr txBox="1">
-            <a:spLocks/>
-          </p:cNvSpPr>
-          <p:nvPr/>
-        </p:nvSpPr>
-        <p:spPr>
-          <a:xfrm>
-            <a:off x="363552" y="1669214"/>
-            <a:ext cx="11393019" cy="4379894"/>
-          </a:xfrm>
-          <a:prstGeom prst="rect">
-            <a:avLst/>
-          </a:prstGeom>
-        </p:spPr>
-        <p:txBody>
-          <a:bodyPr vert="horz" lIns="112542" tIns="56271" rIns="112542" bIns="56271" rtlCol="0" anchor="t">
-            <a:noAutofit/>
-          </a:bodyPr>
-          <a:lstStyle>
-            <a:lvl1pPr algn="l" defTabSz="914400" rtl="0" eaLnBrk="1" latinLnBrk="1" hangingPunct="1">
-              <a:lnSpc>
-                <a:spcPct val="90000"/>
-              </a:lnSpc>
-              <a:spcBef>
-                <a:spcPct val="0"/>
-              </a:spcBef>
-              <a:buNone/>
-              <a:defRPr sz="4400" kern="1200">
-                <a:solidFill>
-                  <a:schemeClr val="tx1"/>
-                </a:solidFill>
-                <a:latin typeface="+mj-lt"/>
-                <a:ea typeface="+mj-ea"/>
-                <a:cs typeface="+mj-cs"/>
-              </a:defRPr>
-            </a:lvl1pPr>
-          </a:lstStyle>
-          <a:p>
-            <a:pPr>
-              <a:defRPr/>
-            </a:pPr>
-            <a:r>
-              <a:rPr lang="ko-KR" altLang="en-US" sz="2100" spc="-185" dirty="0">
-                <a:latin typeface="+mn-ea"/>
-                <a:ea typeface="+mn-ea"/>
-              </a:rPr>
-              <a:t>내용 폰트입니다</a:t>
-            </a:r>
-            <a:r>
-              <a:rPr lang="en-US" altLang="ko-KR" sz="2100" spc="-185" dirty="0">
-                <a:latin typeface="+mn-ea"/>
-                <a:ea typeface="+mn-ea"/>
-              </a:rPr>
-              <a:t>. (</a:t>
-            </a:r>
-            <a:r>
-              <a:rPr lang="ko-KR" altLang="en-US" sz="2100" spc="-185" dirty="0" err="1">
-                <a:latin typeface="+mn-ea"/>
-                <a:ea typeface="+mn-ea"/>
-              </a:rPr>
-              <a:t>맑은고딕</a:t>
-            </a:r>
-            <a:r>
-              <a:rPr lang="ko-KR" altLang="en-US" sz="2100" spc="-185" dirty="0">
-                <a:latin typeface="+mn-ea"/>
-                <a:ea typeface="+mn-ea"/>
-              </a:rPr>
-              <a:t> </a:t>
-            </a:r>
-            <a:r>
-              <a:rPr lang="en-US" altLang="ko-KR" sz="2100" spc="-185" dirty="0" smtClean="0">
-                <a:latin typeface="+mn-ea"/>
-                <a:ea typeface="+mn-ea"/>
-              </a:rPr>
-              <a:t>21pt</a:t>
-            </a:r>
-            <a:r>
-              <a:rPr lang="en-US" altLang="ko-KR" sz="2100" spc="-185" dirty="0">
-                <a:latin typeface="+mn-ea"/>
-                <a:ea typeface="+mn-ea"/>
-              </a:rPr>
-              <a:t>)</a:t>
-            </a:r>
-            <a:endParaRPr lang="ko-KR" altLang="en-US" sz="2100" spc="-185" dirty="0">
-              <a:latin typeface="+mn-ea"/>
-              <a:ea typeface="+mn-ea"/>
-            </a:endParaRPr>
-          </a:p>
-        </p:txBody>
-      </p:sp>
-    </p:spTree>
-    <p:extLst>
-      <p:ext uri="{BB962C8B-B14F-4D97-AF65-F5344CB8AC3E}">
-        <p14:creationId xmlns:p14="http://schemas.microsoft.com/office/powerpoint/2010/main" val="829199521"/>
-      </p:ext>
-    </p:extLst>
-  </p:cSld>
-  <p:clrMapOvr>
-    <a:masterClrMapping/>
-  </p:clrMapOvr>
-  <p:timing>
-    <p:tnLst>
-      <p:par>
-        <p:cTn id="1" dur="indefinite" restart="never" nodeType="tmRoot"/>
-      </p:par>
-    </p:tnLst>
-  </p:timing>
-</p:sld>
-</file>
-
-<file path=ppt/slides/slide6.xml><?xml version="1.0" encoding="utf-8"?>
-<p:sld xmlns:a="http://schemas.openxmlformats.org/drawingml/2006/main" xmlns:r="http://schemas.openxmlformats.org/officeDocument/2006/relationships" xmlns:p="http://schemas.openxmlformats.org/presentationml/2006/main">
-  <p:cSld>
-    <p:spTree>
-      <p:nvGrpSpPr>
-        <p:cNvPr id="1" name=""/>
-        <p:cNvGrpSpPr/>
-        <p:nvPr/>
-      </p:nvGrpSpPr>
-      <p:grpSpPr>
-        <a:xfrm>
-          <a:off x="0" y="0"/>
-          <a:ext cx="0" cy="0"/>
-          <a:chOff x="0" y="0"/>
-          <a:chExt cx="0" cy="0"/>
-        </a:xfrm>
-      </p:grpSpPr>
-      <p:pic>
-        <p:nvPicPr>
-          <p:cNvPr id="2" name="그림 1"/>
-          <p:cNvPicPr>
-            <a:picLocks noChangeAspect="1"/>
-          </p:cNvPicPr>
-          <p:nvPr/>
-        </p:nvPicPr>
-        <p:blipFill>
-          <a:blip r:embed="rId2">
-            <a:extLst>
-              <a:ext uri="{28A0092B-C50C-407E-A947-70E740481C1C}">
-                <a14:useLocalDpi xmlns:a14="http://schemas.microsoft.com/office/drawing/2010/main" val="0"/>
-              </a:ext>
-            </a:extLst>
-          </a:blip>
-          <a:stretch>
-            <a:fillRect/>
-          </a:stretch>
-        </p:blipFill>
-        <p:spPr>
-          <a:xfrm>
-            <a:off x="0" y="0"/>
-            <a:ext cx="12192000" cy="6858000"/>
-          </a:xfrm>
-          <a:prstGeom prst="rect">
-            <a:avLst/>
-          </a:prstGeom>
-        </p:spPr>
-      </p:pic>
-      <p:sp>
-        <p:nvSpPr>
-          <p:cNvPr id="48" name="제목 38"/>
-          <p:cNvSpPr>
-            <a:spLocks noGrp="1"/>
-          </p:cNvSpPr>
-          <p:nvPr>
-            <p:ph type="title"/>
-          </p:nvPr>
-        </p:nvSpPr>
-        <p:spPr>
-          <a:xfrm>
-            <a:off x="363552" y="406401"/>
-            <a:ext cx="9862863" cy="856412"/>
-          </a:xfrm>
-        </p:spPr>
-        <p:txBody>
-          <a:bodyPr rtlCol="0">
-            <a:noAutofit/>
-          </a:bodyPr>
-          <a:lstStyle/>
-          <a:p>
-            <a:pPr>
-              <a:defRPr/>
-            </a:pPr>
-            <a:r>
-              <a:rPr lang="en-US" altLang="ko-KR" sz="4000" spc="-185" dirty="0" smtClean="0">
-                <a:latin typeface="+mj-ea"/>
-              </a:rPr>
-              <a:t>02</a:t>
-            </a:r>
-            <a:r>
-              <a:rPr lang="en-US" altLang="ko-KR" sz="4000" spc="-185" dirty="0">
-                <a:latin typeface="+mj-ea"/>
-              </a:rPr>
-              <a:t>. Mission 2</a:t>
-            </a:r>
-            <a:endParaRPr lang="ko-KR" altLang="en-US" sz="4000" spc="-185" dirty="0">
-              <a:latin typeface="+mj-ea"/>
-            </a:endParaRPr>
-          </a:p>
-        </p:txBody>
-      </p:sp>
-      <p:sp>
-        <p:nvSpPr>
-          <p:cNvPr id="13" name="제목 38"/>
-          <p:cNvSpPr txBox="1">
-            <a:spLocks/>
-          </p:cNvSpPr>
-          <p:nvPr/>
-        </p:nvSpPr>
-        <p:spPr>
-          <a:xfrm>
-            <a:off x="363552" y="1669214"/>
-            <a:ext cx="11393019" cy="4379894"/>
-          </a:xfrm>
-          <a:prstGeom prst="rect">
-            <a:avLst/>
-          </a:prstGeom>
-        </p:spPr>
-        <p:txBody>
-          <a:bodyPr vert="horz" lIns="112542" tIns="56271" rIns="112542" bIns="56271" rtlCol="0" anchor="t">
-            <a:noAutofit/>
-          </a:bodyPr>
-          <a:lstStyle>
-            <a:lvl1pPr algn="l" defTabSz="914400" rtl="0" eaLnBrk="1" latinLnBrk="1" hangingPunct="1">
-              <a:lnSpc>
-                <a:spcPct val="90000"/>
-              </a:lnSpc>
-              <a:spcBef>
-                <a:spcPct val="0"/>
-              </a:spcBef>
-              <a:buNone/>
-              <a:defRPr sz="4400" kern="1200">
-                <a:solidFill>
-                  <a:schemeClr val="tx1"/>
-                </a:solidFill>
-                <a:latin typeface="+mj-lt"/>
-                <a:ea typeface="+mj-ea"/>
-                <a:cs typeface="+mj-cs"/>
-              </a:defRPr>
-            </a:lvl1pPr>
-          </a:lstStyle>
-          <a:p>
-            <a:pPr>
-              <a:defRPr/>
-            </a:pPr>
-            <a:r>
-              <a:rPr lang="ko-KR" altLang="en-US" sz="2100" spc="-185" dirty="0">
-                <a:latin typeface="+mn-ea"/>
-                <a:ea typeface="+mn-ea"/>
-              </a:rPr>
-              <a:t>내용 폰트입니다</a:t>
-            </a:r>
-            <a:r>
-              <a:rPr lang="en-US" altLang="ko-KR" sz="2100" spc="-185" dirty="0">
-                <a:latin typeface="+mn-ea"/>
-                <a:ea typeface="+mn-ea"/>
-              </a:rPr>
-              <a:t>. (</a:t>
-            </a:r>
-            <a:r>
-              <a:rPr lang="ko-KR" altLang="en-US" sz="2100" spc="-185" dirty="0" err="1">
-                <a:latin typeface="+mn-ea"/>
-                <a:ea typeface="+mn-ea"/>
-              </a:rPr>
-              <a:t>맑은고딕</a:t>
-            </a:r>
-            <a:r>
-              <a:rPr lang="ko-KR" altLang="en-US" sz="2100" spc="-185" dirty="0">
-                <a:latin typeface="+mn-ea"/>
-                <a:ea typeface="+mn-ea"/>
-              </a:rPr>
-              <a:t> </a:t>
-            </a:r>
-            <a:r>
-              <a:rPr lang="en-US" altLang="ko-KR" sz="2100" spc="-185" dirty="0" smtClean="0">
-                <a:latin typeface="+mn-ea"/>
-                <a:ea typeface="+mn-ea"/>
-              </a:rPr>
-              <a:t>21pt</a:t>
-            </a:r>
-            <a:r>
-              <a:rPr lang="en-US" altLang="ko-KR" sz="2100" spc="-185" dirty="0">
-                <a:latin typeface="+mn-ea"/>
-                <a:ea typeface="+mn-ea"/>
-              </a:rPr>
-              <a:t>)</a:t>
-            </a:r>
-            <a:endParaRPr lang="ko-KR" altLang="en-US" sz="2100" spc="-185" dirty="0">
-              <a:latin typeface="+mn-ea"/>
-              <a:ea typeface="+mn-ea"/>
-            </a:endParaRPr>
-          </a:p>
-        </p:txBody>
-      </p:sp>
-    </p:spTree>
-    <p:extLst>
-      <p:ext uri="{BB962C8B-B14F-4D97-AF65-F5344CB8AC3E}">
-        <p14:creationId xmlns:p14="http://schemas.microsoft.com/office/powerpoint/2010/main" val="449662688"/>
-      </p:ext>
-    </p:extLst>
-  </p:cSld>
-  <p:clrMapOvr>
-    <a:masterClrMapping/>
-  </p:clrMapOvr>
-  <p:timing>
-    <p:tnLst>
-      <p:par>
-        <p:cTn id="1" dur="indefinite" restart="never" nodeType="tmRoot"/>
-      </p:par>
-    </p:tnLst>
-  </p:timing>
-</p:sld>
-</file>
-
-<file path=ppt/slides/slide7.xml><?xml version="1.0" encoding="utf-8"?>
-<p:sld xmlns:a="http://schemas.openxmlformats.org/drawingml/2006/main" xmlns:r="http://schemas.openxmlformats.org/officeDocument/2006/relationships" xmlns:p="http://schemas.openxmlformats.org/presentationml/2006/main">
-  <p:cSld>
-    <p:spTree>
-      <p:nvGrpSpPr>
-        <p:cNvPr id="1" name=""/>
-        <p:cNvGrpSpPr/>
-        <p:nvPr/>
-      </p:nvGrpSpPr>
-      <p:grpSpPr>
-        <a:xfrm>
-          <a:off x="0" y="0"/>
-          <a:ext cx="0" cy="0"/>
-          <a:chOff x="0" y="0"/>
-          <a:chExt cx="0" cy="0"/>
-        </a:xfrm>
-      </p:grpSpPr>
-      <p:pic>
-        <p:nvPicPr>
-          <p:cNvPr id="2" name="그림 1"/>
-          <p:cNvPicPr>
-            <a:picLocks noChangeAspect="1"/>
-          </p:cNvPicPr>
-          <p:nvPr/>
-        </p:nvPicPr>
-        <p:blipFill>
-          <a:blip r:embed="rId2">
-            <a:extLst>
-              <a:ext uri="{28A0092B-C50C-407E-A947-70E740481C1C}">
-                <a14:useLocalDpi xmlns:a14="http://schemas.microsoft.com/office/drawing/2010/main" val="0"/>
-              </a:ext>
-            </a:extLst>
-          </a:blip>
-          <a:stretch>
-            <a:fillRect/>
-          </a:stretch>
-        </p:blipFill>
-        <p:spPr>
-          <a:xfrm>
-            <a:off x="0" y="0"/>
-            <a:ext cx="12192000" cy="6858000"/>
-          </a:xfrm>
-          <a:prstGeom prst="rect">
-            <a:avLst/>
-          </a:prstGeom>
-        </p:spPr>
-      </p:pic>
-      <p:sp>
-        <p:nvSpPr>
-          <p:cNvPr id="48" name="제목 38"/>
-          <p:cNvSpPr>
-            <a:spLocks noGrp="1"/>
-          </p:cNvSpPr>
-          <p:nvPr>
-            <p:ph type="title"/>
-          </p:nvPr>
-        </p:nvSpPr>
-        <p:spPr>
-          <a:xfrm>
-            <a:off x="363552" y="406401"/>
-            <a:ext cx="9862863" cy="856412"/>
-          </a:xfrm>
-        </p:spPr>
-        <p:txBody>
-          <a:bodyPr rtlCol="0">
-            <a:noAutofit/>
-          </a:bodyPr>
-          <a:lstStyle/>
-          <a:p>
-            <a:pPr>
-              <a:defRPr/>
-            </a:pPr>
-            <a:r>
-              <a:rPr lang="en-US" altLang="ko-KR" sz="4000" spc="-185" dirty="0" smtClean="0">
-                <a:latin typeface="+mj-ea"/>
-              </a:rPr>
-              <a:t>02</a:t>
-            </a:r>
-            <a:r>
-              <a:rPr lang="en-US" altLang="ko-KR" sz="4000" spc="-185" dirty="0">
-                <a:latin typeface="+mj-ea"/>
-              </a:rPr>
-              <a:t>. Mission 2</a:t>
-            </a:r>
-            <a:endParaRPr lang="ko-KR" altLang="en-US" sz="4000" spc="-185" dirty="0">
-              <a:latin typeface="+mj-ea"/>
-            </a:endParaRPr>
-          </a:p>
-        </p:txBody>
-      </p:sp>
-      <p:sp>
-        <p:nvSpPr>
-          <p:cNvPr id="13" name="제목 38"/>
-          <p:cNvSpPr txBox="1">
-            <a:spLocks/>
-          </p:cNvSpPr>
-          <p:nvPr/>
-        </p:nvSpPr>
-        <p:spPr>
-          <a:xfrm>
-            <a:off x="363552" y="1669214"/>
-            <a:ext cx="11393019" cy="4379894"/>
-          </a:xfrm>
-          <a:prstGeom prst="rect">
-            <a:avLst/>
-          </a:prstGeom>
-        </p:spPr>
-        <p:txBody>
-          <a:bodyPr vert="horz" lIns="112542" tIns="56271" rIns="112542" bIns="56271" rtlCol="0" anchor="t">
-            <a:noAutofit/>
-          </a:bodyPr>
-          <a:lstStyle>
-            <a:lvl1pPr algn="l" defTabSz="914400" rtl="0" eaLnBrk="1" latinLnBrk="1" hangingPunct="1">
-              <a:lnSpc>
-                <a:spcPct val="90000"/>
-              </a:lnSpc>
-              <a:spcBef>
-                <a:spcPct val="0"/>
-              </a:spcBef>
-              <a:buNone/>
-              <a:defRPr sz="4400" kern="1200">
-                <a:solidFill>
-                  <a:schemeClr val="tx1"/>
-                </a:solidFill>
-                <a:latin typeface="+mj-lt"/>
-                <a:ea typeface="+mj-ea"/>
-                <a:cs typeface="+mj-cs"/>
-              </a:defRPr>
-            </a:lvl1pPr>
-          </a:lstStyle>
-          <a:p>
-            <a:pPr>
-              <a:defRPr/>
-            </a:pPr>
-            <a:r>
-              <a:rPr lang="ko-KR" altLang="en-US" sz="2100" spc="-185" dirty="0">
-                <a:latin typeface="+mn-ea"/>
-                <a:ea typeface="+mn-ea"/>
-              </a:rPr>
-              <a:t>내용 폰트입니다</a:t>
-            </a:r>
-            <a:r>
-              <a:rPr lang="en-US" altLang="ko-KR" sz="2100" spc="-185" dirty="0">
-                <a:latin typeface="+mn-ea"/>
-                <a:ea typeface="+mn-ea"/>
-              </a:rPr>
-              <a:t>. (</a:t>
-            </a:r>
-            <a:r>
-              <a:rPr lang="ko-KR" altLang="en-US" sz="2100" spc="-185" dirty="0" err="1">
-                <a:latin typeface="+mn-ea"/>
-                <a:ea typeface="+mn-ea"/>
-              </a:rPr>
-              <a:t>맑은고딕</a:t>
-            </a:r>
-            <a:r>
-              <a:rPr lang="ko-KR" altLang="en-US" sz="2100" spc="-185" dirty="0">
-                <a:latin typeface="+mn-ea"/>
-                <a:ea typeface="+mn-ea"/>
-              </a:rPr>
-              <a:t> </a:t>
-            </a:r>
-            <a:r>
-              <a:rPr lang="en-US" altLang="ko-KR" sz="2100" spc="-185" dirty="0" smtClean="0">
-                <a:latin typeface="+mn-ea"/>
-                <a:ea typeface="+mn-ea"/>
-              </a:rPr>
-              <a:t>21pt</a:t>
-            </a:r>
-            <a:r>
-              <a:rPr lang="en-US" altLang="ko-KR" sz="2100" spc="-185" dirty="0">
-                <a:latin typeface="+mn-ea"/>
-                <a:ea typeface="+mn-ea"/>
-              </a:rPr>
-              <a:t>)</a:t>
-            </a:r>
-            <a:endParaRPr lang="ko-KR" altLang="en-US" sz="2100" spc="-185" dirty="0">
-              <a:latin typeface="+mn-ea"/>
-              <a:ea typeface="+mn-ea"/>
-            </a:endParaRPr>
-          </a:p>
-        </p:txBody>
-      </p:sp>
-    </p:spTree>
-    <p:extLst>
-      <p:ext uri="{BB962C8B-B14F-4D97-AF65-F5344CB8AC3E}">
-        <p14:creationId xmlns:p14="http://schemas.microsoft.com/office/powerpoint/2010/main" val="2467465172"/>
-      </p:ext>
-    </p:extLst>
-  </p:cSld>
-  <p:clrMapOvr>
-    <a:masterClrMapping/>
-  </p:clrMapOvr>
-  <p:timing>
-    <p:tnLst>
-      <p:par>
-        <p:cTn id="1" dur="indefinite" restart="never" nodeType="tmRoot"/>
-      </p:par>
-    </p:tnLst>
-  </p:timing>
-</p:sld>
-</file>
-
-<file path=ppt/slides/slide8.xml><?xml version="1.0" encoding="utf-8"?>
-<p:sld xmlns:a="http://schemas.openxmlformats.org/drawingml/2006/main" xmlns:r="http://schemas.openxmlformats.org/officeDocument/2006/relationships" xmlns:p="http://schemas.openxmlformats.org/presentationml/2006/main">
-  <p:cSld>
-    <p:spTree>
-      <p:nvGrpSpPr>
-        <p:cNvPr id="1" name=""/>
-        <p:cNvGrpSpPr/>
-        <p:nvPr/>
-      </p:nvGrpSpPr>
-      <p:grpSpPr>
-        <a:xfrm>
-          <a:off x="0" y="0"/>
-          <a:ext cx="0" cy="0"/>
-          <a:chOff x="0" y="0"/>
-          <a:chExt cx="0" cy="0"/>
-        </a:xfrm>
-      </p:grpSpPr>
-      <p:pic>
-        <p:nvPicPr>
-          <p:cNvPr id="2" name="그림 1"/>
-          <p:cNvPicPr>
-            <a:picLocks noChangeAspect="1"/>
-          </p:cNvPicPr>
-          <p:nvPr/>
-        </p:nvPicPr>
-        <p:blipFill>
-          <a:blip r:embed="rId2">
-            <a:extLst>
-              <a:ext uri="{28A0092B-C50C-407E-A947-70E740481C1C}">
-                <a14:useLocalDpi xmlns:a14="http://schemas.microsoft.com/office/drawing/2010/main" val="0"/>
-              </a:ext>
-            </a:extLst>
-          </a:blip>
-          <a:stretch>
-            <a:fillRect/>
-          </a:stretch>
-        </p:blipFill>
-        <p:spPr>
-          <a:xfrm>
-            <a:off x="0" y="0"/>
-            <a:ext cx="12192000" cy="6858000"/>
-          </a:xfrm>
-          <a:prstGeom prst="rect">
-            <a:avLst/>
-          </a:prstGeom>
-        </p:spPr>
-      </p:pic>
-      <p:sp>
-        <p:nvSpPr>
-          <p:cNvPr id="48" name="제목 38"/>
-          <p:cNvSpPr>
-            <a:spLocks noGrp="1"/>
-          </p:cNvSpPr>
-          <p:nvPr>
-            <p:ph type="title"/>
-          </p:nvPr>
-        </p:nvSpPr>
-        <p:spPr>
-          <a:xfrm>
-            <a:off x="363552" y="406401"/>
-            <a:ext cx="9862863" cy="856412"/>
-          </a:xfrm>
-        </p:spPr>
-        <p:txBody>
-          <a:bodyPr rtlCol="0">
-            <a:noAutofit/>
-          </a:bodyPr>
-          <a:lstStyle/>
-          <a:p>
-            <a:pPr>
-              <a:defRPr/>
-            </a:pPr>
-            <a:r>
-              <a:rPr lang="en-US" altLang="ko-KR" sz="4000" spc="-185" dirty="0" smtClean="0">
-                <a:latin typeface="+mj-ea"/>
-              </a:rPr>
-              <a:t>02</a:t>
-            </a:r>
-            <a:r>
-              <a:rPr lang="en-US" altLang="ko-KR" sz="4000" spc="-185" dirty="0">
-                <a:latin typeface="+mj-ea"/>
-              </a:rPr>
-              <a:t>. Mission 2</a:t>
-            </a:r>
-            <a:endParaRPr lang="ko-KR" altLang="en-US" sz="4000" spc="-185" dirty="0">
-              <a:latin typeface="+mj-ea"/>
-            </a:endParaRPr>
-          </a:p>
-        </p:txBody>
-      </p:sp>
-      <p:sp>
-        <p:nvSpPr>
-          <p:cNvPr id="13" name="제목 38"/>
-          <p:cNvSpPr txBox="1">
-            <a:spLocks/>
-          </p:cNvSpPr>
-          <p:nvPr/>
-        </p:nvSpPr>
-        <p:spPr>
-          <a:xfrm>
-            <a:off x="363552" y="1669214"/>
-            <a:ext cx="11393019" cy="4379894"/>
-          </a:xfrm>
-          <a:prstGeom prst="rect">
-            <a:avLst/>
-          </a:prstGeom>
-        </p:spPr>
-        <p:txBody>
-          <a:bodyPr vert="horz" lIns="112542" tIns="56271" rIns="112542" bIns="56271" rtlCol="0" anchor="t">
-            <a:noAutofit/>
-          </a:bodyPr>
-          <a:lstStyle>
-            <a:lvl1pPr algn="l" defTabSz="914400" rtl="0" eaLnBrk="1" latinLnBrk="1" hangingPunct="1">
-              <a:lnSpc>
-                <a:spcPct val="90000"/>
-              </a:lnSpc>
-              <a:spcBef>
-                <a:spcPct val="0"/>
-              </a:spcBef>
-              <a:buNone/>
-              <a:defRPr sz="4400" kern="1200">
-                <a:solidFill>
-                  <a:schemeClr val="tx1"/>
-                </a:solidFill>
-                <a:latin typeface="+mj-lt"/>
-                <a:ea typeface="+mj-ea"/>
-                <a:cs typeface="+mj-cs"/>
-              </a:defRPr>
-            </a:lvl1pPr>
-          </a:lstStyle>
-          <a:p>
-            <a:pPr>
-              <a:defRPr/>
-            </a:pPr>
-            <a:r>
-              <a:rPr lang="ko-KR" altLang="en-US" sz="2100" spc="-185" dirty="0">
-                <a:latin typeface="+mn-ea"/>
-                <a:ea typeface="+mn-ea"/>
-              </a:rPr>
-              <a:t>내용 폰트입니다</a:t>
-            </a:r>
-            <a:r>
-              <a:rPr lang="en-US" altLang="ko-KR" sz="2100" spc="-185" dirty="0">
-                <a:latin typeface="+mn-ea"/>
-                <a:ea typeface="+mn-ea"/>
-              </a:rPr>
-              <a:t>. (</a:t>
-            </a:r>
-            <a:r>
-              <a:rPr lang="ko-KR" altLang="en-US" sz="2100" spc="-185" dirty="0" err="1">
-                <a:latin typeface="+mn-ea"/>
-                <a:ea typeface="+mn-ea"/>
-              </a:rPr>
-              <a:t>맑은고딕</a:t>
-            </a:r>
-            <a:r>
-              <a:rPr lang="ko-KR" altLang="en-US" sz="2100" spc="-185" dirty="0">
-                <a:latin typeface="+mn-ea"/>
-                <a:ea typeface="+mn-ea"/>
-              </a:rPr>
-              <a:t> </a:t>
-            </a:r>
-            <a:r>
-              <a:rPr lang="en-US" altLang="ko-KR" sz="2100" spc="-185" dirty="0" smtClean="0">
-                <a:latin typeface="+mn-ea"/>
-                <a:ea typeface="+mn-ea"/>
-              </a:rPr>
-              <a:t>21pt</a:t>
-            </a:r>
-            <a:r>
-              <a:rPr lang="en-US" altLang="ko-KR" sz="2100" spc="-185" dirty="0">
-                <a:latin typeface="+mn-ea"/>
-                <a:ea typeface="+mn-ea"/>
-              </a:rPr>
-              <a:t>)</a:t>
-            </a:r>
-            <a:endParaRPr lang="ko-KR" altLang="en-US" sz="2100" spc="-185" dirty="0">
-              <a:latin typeface="+mn-ea"/>
-              <a:ea typeface="+mn-ea"/>
-            </a:endParaRPr>
-          </a:p>
-        </p:txBody>
-      </p:sp>
-    </p:spTree>
-    <p:extLst>
-      <p:ext uri="{BB962C8B-B14F-4D97-AF65-F5344CB8AC3E}">
-        <p14:creationId xmlns:p14="http://schemas.microsoft.com/office/powerpoint/2010/main" val="1891695581"/>
-      </p:ext>
-    </p:extLst>
-  </p:cSld>
-  <p:clrMapOvr>
-    <a:masterClrMapping/>
-  </p:clrMapOvr>
-  <p:timing>
-    <p:tnLst>
-      <p:par>
-        <p:cTn id="1" dur="indefinite" restart="never" nodeType="tmRoot"/>
-      </p:par>
-    </p:tnLst>
-  </p:timing>
-</p:sld>
-</file>
-
-<file path=ppt/slides/slide9.xml><?xml version="1.0" encoding="utf-8"?>
-<p:sld xmlns:a="http://schemas.openxmlformats.org/drawingml/2006/main" xmlns:r="http://schemas.openxmlformats.org/officeDocument/2006/relationships" xmlns:p="http://schemas.openxmlformats.org/presentationml/2006/main">
-  <p:cSld>
-    <p:spTree>
-      <p:nvGrpSpPr>
-        <p:cNvPr id="1" name=""/>
-        <p:cNvGrpSpPr/>
-        <p:nvPr/>
-      </p:nvGrpSpPr>
-      <p:grpSpPr>
-        <a:xfrm>
-          <a:off x="0" y="0"/>
-          <a:ext cx="0" cy="0"/>
-          <a:chOff x="0" y="0"/>
-          <a:chExt cx="0" cy="0"/>
-        </a:xfrm>
-      </p:grpSpPr>
-      <p:pic>
-        <p:nvPicPr>
-          <p:cNvPr id="2" name="그림 1"/>
-          <p:cNvPicPr>
-            <a:picLocks noChangeAspect="1"/>
-          </p:cNvPicPr>
-          <p:nvPr/>
-        </p:nvPicPr>
-        <p:blipFill>
-          <a:blip r:embed="rId2">
-            <a:extLst>
-              <a:ext uri="{28A0092B-C50C-407E-A947-70E740481C1C}">
-                <a14:useLocalDpi xmlns:a14="http://schemas.microsoft.com/office/drawing/2010/main" val="0"/>
-              </a:ext>
-            </a:extLst>
-          </a:blip>
-          <a:stretch>
-            <a:fillRect/>
-          </a:stretch>
-        </p:blipFill>
-        <p:spPr>
-          <a:xfrm>
-            <a:off x="0" y="0"/>
-            <a:ext cx="12192000" cy="6858000"/>
-          </a:xfrm>
-          <a:prstGeom prst="rect">
-            <a:avLst/>
-          </a:prstGeom>
-        </p:spPr>
-      </p:pic>
-      <p:sp>
-        <p:nvSpPr>
-          <p:cNvPr id="48" name="제목 38"/>
-          <p:cNvSpPr>
-            <a:spLocks noGrp="1"/>
-          </p:cNvSpPr>
-          <p:nvPr>
-            <p:ph type="title"/>
-          </p:nvPr>
-        </p:nvSpPr>
-        <p:spPr>
-          <a:xfrm>
-            <a:off x="363552" y="406401"/>
-            <a:ext cx="9862863" cy="856412"/>
-          </a:xfrm>
-        </p:spPr>
-        <p:txBody>
-          <a:bodyPr rtlCol="0">
-            <a:noAutofit/>
-          </a:bodyPr>
-          <a:lstStyle/>
-          <a:p>
-            <a:pPr>
-              <a:defRPr/>
-            </a:pPr>
-            <a:r>
-              <a:rPr lang="en-US" altLang="ko-KR" sz="4000" spc="-185" dirty="0" smtClean="0">
-                <a:latin typeface="+mj-ea"/>
-              </a:rPr>
-              <a:t>02</a:t>
-            </a:r>
-            <a:r>
-              <a:rPr lang="en-US" altLang="ko-KR" sz="4000" spc="-185" dirty="0">
-                <a:latin typeface="+mj-ea"/>
-              </a:rPr>
-              <a:t>. Mission 2</a:t>
-            </a:r>
-            <a:endParaRPr lang="ko-KR" altLang="en-US" sz="4000" spc="-185" dirty="0">
-              <a:latin typeface="+mj-ea"/>
-            </a:endParaRPr>
-          </a:p>
-        </p:txBody>
-      </p:sp>
-      <p:sp>
-        <p:nvSpPr>
-          <p:cNvPr id="13" name="제목 38"/>
-          <p:cNvSpPr txBox="1">
-            <a:spLocks/>
-          </p:cNvSpPr>
-          <p:nvPr/>
-        </p:nvSpPr>
-        <p:spPr>
-          <a:xfrm>
-            <a:off x="363552" y="1669214"/>
-            <a:ext cx="11393019" cy="4379894"/>
-          </a:xfrm>
-          <a:prstGeom prst="rect">
-            <a:avLst/>
-          </a:prstGeom>
-        </p:spPr>
-        <p:txBody>
-          <a:bodyPr vert="horz" lIns="112542" tIns="56271" rIns="112542" bIns="56271" rtlCol="0" anchor="t">
-            <a:noAutofit/>
-          </a:bodyPr>
-          <a:lstStyle>
-            <a:lvl1pPr algn="l" defTabSz="914400" rtl="0" eaLnBrk="1" latinLnBrk="1" hangingPunct="1">
-              <a:lnSpc>
-                <a:spcPct val="90000"/>
-              </a:lnSpc>
-              <a:spcBef>
-                <a:spcPct val="0"/>
-              </a:spcBef>
-              <a:buNone/>
-              <a:defRPr sz="4400" kern="1200">
-                <a:solidFill>
-                  <a:schemeClr val="tx1"/>
-                </a:solidFill>
-                <a:latin typeface="+mj-lt"/>
-                <a:ea typeface="+mj-ea"/>
-                <a:cs typeface="+mj-cs"/>
-              </a:defRPr>
-            </a:lvl1pPr>
-          </a:lstStyle>
-          <a:p>
-            <a:pPr>
-              <a:defRPr/>
-            </a:pPr>
-            <a:r>
-              <a:rPr lang="ko-KR" altLang="en-US" sz="2100" spc="-185" dirty="0">
-                <a:latin typeface="+mn-ea"/>
-                <a:ea typeface="+mn-ea"/>
-              </a:rPr>
-              <a:t>내용 폰트입니다</a:t>
-            </a:r>
-            <a:r>
-              <a:rPr lang="en-US" altLang="ko-KR" sz="2100" spc="-185" dirty="0">
-                <a:latin typeface="+mn-ea"/>
-                <a:ea typeface="+mn-ea"/>
-              </a:rPr>
-              <a:t>. (</a:t>
-            </a:r>
-            <a:r>
-              <a:rPr lang="ko-KR" altLang="en-US" sz="2100" spc="-185" dirty="0" err="1">
-                <a:latin typeface="+mn-ea"/>
-                <a:ea typeface="+mn-ea"/>
-              </a:rPr>
-              <a:t>맑은고딕</a:t>
-            </a:r>
-            <a:r>
-              <a:rPr lang="ko-KR" altLang="en-US" sz="2100" spc="-185" dirty="0">
-                <a:latin typeface="+mn-ea"/>
-                <a:ea typeface="+mn-ea"/>
-              </a:rPr>
-              <a:t> </a:t>
-            </a:r>
-            <a:r>
-              <a:rPr lang="en-US" altLang="ko-KR" sz="2100" spc="-185" dirty="0" smtClean="0">
-                <a:latin typeface="+mn-ea"/>
-                <a:ea typeface="+mn-ea"/>
-              </a:rPr>
-              <a:t>21pt</a:t>
-            </a:r>
-            <a:r>
-              <a:rPr lang="en-US" altLang="ko-KR" sz="2100" spc="-185" dirty="0">
-                <a:latin typeface="+mn-ea"/>
-                <a:ea typeface="+mn-ea"/>
-              </a:rPr>
-              <a:t>)</a:t>
-            </a:r>
-            <a:endParaRPr lang="ko-KR" altLang="en-US" sz="2100" spc="-185" dirty="0">
-              <a:latin typeface="+mn-ea"/>
-              <a:ea typeface="+mn-ea"/>
-            </a:endParaRPr>
-          </a:p>
-        </p:txBody>
-      </p:sp>
-    </p:spTree>
-    <p:extLst>
-      <p:ext uri="{BB962C8B-B14F-4D97-AF65-F5344CB8AC3E}">
-        <p14:creationId xmlns:p14="http://schemas.microsoft.com/office/powerpoint/2010/main" val="3908386789"/>
-      </p:ext>
-    </p:extLst>
-  </p:cSld>
-  <p:clrMapOvr>
-    <a:masterClrMapping/>
-  </p:clrMapOvr>
-  <p:timing>
-    <p:tnLst>
-      <p:par>
-        <p:cTn id="1" dur="indefinite" restart="never" nodeType="tmRoot"/>
-      </p:par>
-    </p:tnLst>
-  </p:timing>
 </p:sld>
 </file>
 
